--- a/AsyncPresentation.pptx
+++ b/AsyncPresentation.pptx
@@ -23,23 +23,27 @@
     <p:sldId id="268" r:id="rId17"/>
     <p:sldId id="269" r:id="rId18"/>
     <p:sldId id="270" r:id="rId19"/>
+    <p:sldId id="271" r:id="rId20"/>
+    <p:sldId id="272" r:id="rId21"/>
+    <p:sldId id="273" r:id="rId22"/>
+    <p:sldId id="274" r:id="rId23"/>
   </p:sldIdLst>
   <p:sldSz cy="5143500" cx="9144000"/>
   <p:notesSz cx="6858000" cy="9144000"/>
   <p:embeddedFontLst>
     <p:embeddedFont>
       <p:font typeface="Montserrat"/>
-      <p:regular r:id="rId20"/>
-      <p:bold r:id="rId21"/>
-      <p:italic r:id="rId22"/>
-      <p:boldItalic r:id="rId23"/>
-    </p:embeddedFont>
-    <p:embeddedFont>
-      <p:font typeface="Lato"/>
       <p:regular r:id="rId24"/>
       <p:bold r:id="rId25"/>
       <p:italic r:id="rId26"/>
       <p:boldItalic r:id="rId27"/>
+    </p:embeddedFont>
+    <p:embeddedFont>
+      <p:font typeface="Lato"/>
+      <p:regular r:id="rId28"/>
+      <p:bold r:id="rId29"/>
+      <p:italic r:id="rId30"/>
+      <p:boldItalic r:id="rId31"/>
     </p:embeddedFont>
   </p:embeddedFontLst>
   <p:defaultTextStyle>
@@ -514,7 +518,7 @@
   <p:cSld>
     <p:spTree>
       <p:nvGrpSpPr>
-        <p:cNvPr id="211" name="Shape 211"/>
+        <p:cNvPr id="209" name="Shape 209"/>
         <p:cNvGrpSpPr/>
         <p:nvPr/>
       </p:nvGrpSpPr>
@@ -528,7 +532,7 @@
       </p:grpSpPr>
       <p:sp>
         <p:nvSpPr>
-          <p:cNvPr id="212" name="Shape 212"/>
+          <p:cNvPr id="210" name="Shape 210"/>
           <p:cNvSpPr/>
           <p:nvPr>
             <p:ph idx="2" type="sldImg"/>
@@ -562,7 +566,7 @@
       </p:sp>
       <p:sp>
         <p:nvSpPr>
-          <p:cNvPr id="213" name="Shape 213"/>
+          <p:cNvPr id="211" name="Shape 211"/>
           <p:cNvSpPr txBox="1"/>
           <p:nvPr>
             <p:ph idx="1" type="body"/>
@@ -583,7 +587,7 @@
           </a:bodyPr>
           <a:lstStyle/>
           <a:p>
-            <a:pPr lvl="0">
+            <a:pPr lvl="0" rtl="0">
               <a:spcBef>
                 <a:spcPts val="0"/>
               </a:spcBef>
@@ -704,7 +708,7 @@
   <p:cSld>
     <p:spTree>
       <p:nvGrpSpPr>
-        <p:cNvPr id="227" name="Shape 227"/>
+        <p:cNvPr id="226" name="Shape 226"/>
         <p:cNvGrpSpPr/>
         <p:nvPr/>
       </p:nvGrpSpPr>
@@ -718,7 +722,7 @@
       </p:grpSpPr>
       <p:sp>
         <p:nvSpPr>
-          <p:cNvPr id="228" name="Shape 228"/>
+          <p:cNvPr id="227" name="Shape 227"/>
           <p:cNvSpPr/>
           <p:nvPr>
             <p:ph idx="2" type="sldImg"/>
@@ -752,7 +756,7 @@
       </p:sp>
       <p:sp>
         <p:nvSpPr>
-          <p:cNvPr id="229" name="Shape 229"/>
+          <p:cNvPr id="228" name="Shape 228"/>
           <p:cNvSpPr txBox="1"/>
           <p:nvPr>
             <p:ph idx="1" type="body"/>
@@ -799,7 +803,7 @@
   <p:cSld>
     <p:spTree>
       <p:nvGrpSpPr>
-        <p:cNvPr id="236" name="Shape 236"/>
+        <p:cNvPr id="232" name="Shape 232"/>
         <p:cNvGrpSpPr/>
         <p:nvPr/>
       </p:nvGrpSpPr>
@@ -813,7 +817,7 @@
       </p:grpSpPr>
       <p:sp>
         <p:nvSpPr>
-          <p:cNvPr id="237" name="Shape 237"/>
+          <p:cNvPr id="233" name="Shape 233"/>
           <p:cNvSpPr/>
           <p:nvPr>
             <p:ph idx="2" type="sldImg"/>
@@ -847,7 +851,7 @@
       </p:sp>
       <p:sp>
         <p:nvSpPr>
-          <p:cNvPr id="238" name="Shape 238"/>
+          <p:cNvPr id="234" name="Shape 234"/>
           <p:cNvSpPr txBox="1"/>
           <p:nvPr>
             <p:ph idx="1" type="body"/>
@@ -894,7 +898,7 @@
   <p:cSld>
     <p:spTree>
       <p:nvGrpSpPr>
-        <p:cNvPr id="245" name="Shape 245"/>
+        <p:cNvPr id="240" name="Shape 240"/>
         <p:cNvGrpSpPr/>
         <p:nvPr/>
       </p:nvGrpSpPr>
@@ -908,7 +912,7 @@
       </p:grpSpPr>
       <p:sp>
         <p:nvSpPr>
-          <p:cNvPr id="246" name="Shape 246"/>
+          <p:cNvPr id="241" name="Shape 241"/>
           <p:cNvSpPr/>
           <p:nvPr>
             <p:ph idx="2" type="sldImg"/>
@@ -942,7 +946,7 @@
       </p:sp>
       <p:sp>
         <p:nvSpPr>
-          <p:cNvPr id="247" name="Shape 247"/>
+          <p:cNvPr id="242" name="Shape 242"/>
           <p:cNvSpPr txBox="1"/>
           <p:nvPr>
             <p:ph idx="1" type="body"/>
@@ -963,7 +967,7 @@
           </a:bodyPr>
           <a:lstStyle/>
           <a:p>
-            <a:pPr lvl="0">
+            <a:pPr lvl="0" rtl="0">
               <a:spcBef>
                 <a:spcPts val="0"/>
               </a:spcBef>
@@ -989,7 +993,7 @@
   <p:cSld>
     <p:spTree>
       <p:nvGrpSpPr>
-        <p:cNvPr id="252" name="Shape 252"/>
+        <p:cNvPr id="250" name="Shape 250"/>
         <p:cNvGrpSpPr/>
         <p:nvPr/>
       </p:nvGrpSpPr>
@@ -1003,7 +1007,7 @@
       </p:grpSpPr>
       <p:sp>
         <p:nvSpPr>
-          <p:cNvPr id="253" name="Shape 253"/>
+          <p:cNvPr id="251" name="Shape 251"/>
           <p:cNvSpPr/>
           <p:nvPr>
             <p:ph idx="2" type="sldImg"/>
@@ -1037,7 +1041,387 @@
       </p:sp>
       <p:sp>
         <p:nvSpPr>
-          <p:cNvPr id="254" name="Shape 254"/>
+          <p:cNvPr id="252" name="Shape 252"/>
+          <p:cNvSpPr txBox="1"/>
+          <p:nvPr>
+            <p:ph idx="1" type="body"/>
+          </p:nvPr>
+        </p:nvSpPr>
+        <p:spPr>
+          <a:xfrm>
+            <a:off x="685800" y="4343400"/>
+            <a:ext cx="5486400" cy="4114800"/>
+          </a:xfrm>
+          <a:prstGeom prst="rect">
+            <a:avLst/>
+          </a:prstGeom>
+        </p:spPr>
+        <p:txBody>
+          <a:bodyPr anchorCtr="0" anchor="t" bIns="91425" lIns="91425" rIns="91425" wrap="square" tIns="91425">
+            <a:noAutofit/>
+          </a:bodyPr>
+          <a:lstStyle/>
+          <a:p>
+            <a:pPr lvl="0" rtl="0">
+              <a:spcBef>
+                <a:spcPts val="0"/>
+              </a:spcBef>
+              <a:buNone/>
+            </a:pPr>
+            <a:r>
+              <a:t/>
+            </a:r>
+            <a:endParaRPr/>
+          </a:p>
+        </p:txBody>
+      </p:sp>
+    </p:spTree>
+  </p:cSld>
+  <p:clrMapOvr>
+    <a:masterClrMapping/>
+  </p:clrMapOvr>
+</p:notes>
+</file>
+
+<file path=ppt/notesSlides/notesSlide16.xml><?xml version="1.0" encoding="utf-8"?>
+<p:notes xmlns:a="http://schemas.openxmlformats.org/drawingml/2006/main" xmlns:r="http://schemas.openxmlformats.org/officeDocument/2006/relationships" xmlns:mc="http://schemas.openxmlformats.org/markup-compatibility/2006" xmlns:mv="urn:schemas-microsoft-com:mac:vml" xmlns:p="http://schemas.openxmlformats.org/presentationml/2006/main" xmlns:c="http://schemas.openxmlformats.org/drawingml/2006/chart" xmlns:dgm="http://schemas.openxmlformats.org/drawingml/2006/diagram" xmlns:o="urn:schemas-microsoft-com:office:office" xmlns:v="urn:schemas-microsoft-com:vml" xmlns:pvml="urn:schemas-microsoft-com:office:powerpoint" xmlns:com="http://schemas.openxmlformats.org/drawingml/2006/compatibility" xmlns:p14="http://schemas.microsoft.com/office/powerpoint/2010/main" xmlns:p15="http://schemas.microsoft.com/office/powerpoint/2012/main" showMasterPhAnim="0" showMasterSp="0">
+  <p:cSld>
+    <p:spTree>
+      <p:nvGrpSpPr>
+        <p:cNvPr id="260" name="Shape 260"/>
+        <p:cNvGrpSpPr/>
+        <p:nvPr/>
+      </p:nvGrpSpPr>
+      <p:grpSpPr>
+        <a:xfrm>
+          <a:off x="0" y="0"/>
+          <a:ext cx="0" cy="0"/>
+          <a:chOff x="0" y="0"/>
+          <a:chExt cx="0" cy="0"/>
+        </a:xfrm>
+      </p:grpSpPr>
+      <p:sp>
+        <p:nvSpPr>
+          <p:cNvPr id="261" name="Shape 261"/>
+          <p:cNvSpPr/>
+          <p:nvPr>
+            <p:ph idx="2" type="sldImg"/>
+          </p:nvPr>
+        </p:nvSpPr>
+        <p:spPr>
+          <a:xfrm>
+            <a:off x="381300" y="685800"/>
+            <a:ext cx="6096000" cy="3429000"/>
+          </a:xfrm>
+          <a:custGeom>
+            <a:pathLst>
+              <a:path extrusionOk="0" h="120000" w="120000">
+                <a:moveTo>
+                  <a:pt x="0" y="0"/>
+                </a:moveTo>
+                <a:lnTo>
+                  <a:pt x="120000" y="0"/>
+                </a:lnTo>
+                <a:lnTo>
+                  <a:pt x="120000" y="120000"/>
+                </a:lnTo>
+                <a:lnTo>
+                  <a:pt x="0" y="120000"/>
+                </a:lnTo>
+                <a:close/>
+              </a:path>
+            </a:pathLst>
+          </a:custGeom>
+        </p:spPr>
+      </p:sp>
+      <p:sp>
+        <p:nvSpPr>
+          <p:cNvPr id="262" name="Shape 262"/>
+          <p:cNvSpPr txBox="1"/>
+          <p:nvPr>
+            <p:ph idx="1" type="body"/>
+          </p:nvPr>
+        </p:nvSpPr>
+        <p:spPr>
+          <a:xfrm>
+            <a:off x="685800" y="4343400"/>
+            <a:ext cx="5486400" cy="4114800"/>
+          </a:xfrm>
+          <a:prstGeom prst="rect">
+            <a:avLst/>
+          </a:prstGeom>
+        </p:spPr>
+        <p:txBody>
+          <a:bodyPr anchorCtr="0" anchor="t" bIns="91425" lIns="91425" rIns="91425" wrap="square" tIns="91425">
+            <a:noAutofit/>
+          </a:bodyPr>
+          <a:lstStyle/>
+          <a:p>
+            <a:pPr lvl="0" rtl="0">
+              <a:spcBef>
+                <a:spcPts val="0"/>
+              </a:spcBef>
+              <a:buNone/>
+            </a:pPr>
+            <a:r>
+              <a:t/>
+            </a:r>
+            <a:endParaRPr/>
+          </a:p>
+        </p:txBody>
+      </p:sp>
+    </p:spTree>
+  </p:cSld>
+  <p:clrMapOvr>
+    <a:masterClrMapping/>
+  </p:clrMapOvr>
+</p:notes>
+</file>
+
+<file path=ppt/notesSlides/notesSlide17.xml><?xml version="1.0" encoding="utf-8"?>
+<p:notes xmlns:a="http://schemas.openxmlformats.org/drawingml/2006/main" xmlns:r="http://schemas.openxmlformats.org/officeDocument/2006/relationships" xmlns:mc="http://schemas.openxmlformats.org/markup-compatibility/2006" xmlns:mv="urn:schemas-microsoft-com:mac:vml" xmlns:p="http://schemas.openxmlformats.org/presentationml/2006/main" xmlns:c="http://schemas.openxmlformats.org/drawingml/2006/chart" xmlns:dgm="http://schemas.openxmlformats.org/drawingml/2006/diagram" xmlns:o="urn:schemas-microsoft-com:office:office" xmlns:v="urn:schemas-microsoft-com:vml" xmlns:pvml="urn:schemas-microsoft-com:office:powerpoint" xmlns:com="http://schemas.openxmlformats.org/drawingml/2006/compatibility" xmlns:p14="http://schemas.microsoft.com/office/powerpoint/2010/main" xmlns:p15="http://schemas.microsoft.com/office/powerpoint/2012/main" showMasterPhAnim="0" showMasterSp="0">
+  <p:cSld>
+    <p:spTree>
+      <p:nvGrpSpPr>
+        <p:cNvPr id="272" name="Shape 272"/>
+        <p:cNvGrpSpPr/>
+        <p:nvPr/>
+      </p:nvGrpSpPr>
+      <p:grpSpPr>
+        <a:xfrm>
+          <a:off x="0" y="0"/>
+          <a:ext cx="0" cy="0"/>
+          <a:chOff x="0" y="0"/>
+          <a:chExt cx="0" cy="0"/>
+        </a:xfrm>
+      </p:grpSpPr>
+      <p:sp>
+        <p:nvSpPr>
+          <p:cNvPr id="273" name="Shape 273"/>
+          <p:cNvSpPr/>
+          <p:nvPr>
+            <p:ph idx="2" type="sldImg"/>
+          </p:nvPr>
+        </p:nvSpPr>
+        <p:spPr>
+          <a:xfrm>
+            <a:off x="381300" y="685800"/>
+            <a:ext cx="6096000" cy="3429000"/>
+          </a:xfrm>
+          <a:custGeom>
+            <a:pathLst>
+              <a:path extrusionOk="0" h="120000" w="120000">
+                <a:moveTo>
+                  <a:pt x="0" y="0"/>
+                </a:moveTo>
+                <a:lnTo>
+                  <a:pt x="120000" y="0"/>
+                </a:lnTo>
+                <a:lnTo>
+                  <a:pt x="120000" y="120000"/>
+                </a:lnTo>
+                <a:lnTo>
+                  <a:pt x="0" y="120000"/>
+                </a:lnTo>
+                <a:close/>
+              </a:path>
+            </a:pathLst>
+          </a:custGeom>
+        </p:spPr>
+      </p:sp>
+      <p:sp>
+        <p:nvSpPr>
+          <p:cNvPr id="274" name="Shape 274"/>
+          <p:cNvSpPr txBox="1"/>
+          <p:nvPr>
+            <p:ph idx="1" type="body"/>
+          </p:nvPr>
+        </p:nvSpPr>
+        <p:spPr>
+          <a:xfrm>
+            <a:off x="685800" y="4343400"/>
+            <a:ext cx="5486400" cy="4114800"/>
+          </a:xfrm>
+          <a:prstGeom prst="rect">
+            <a:avLst/>
+          </a:prstGeom>
+        </p:spPr>
+        <p:txBody>
+          <a:bodyPr anchorCtr="0" anchor="t" bIns="91425" lIns="91425" rIns="91425" wrap="square" tIns="91425">
+            <a:noAutofit/>
+          </a:bodyPr>
+          <a:lstStyle/>
+          <a:p>
+            <a:pPr lvl="0">
+              <a:spcBef>
+                <a:spcPts val="0"/>
+              </a:spcBef>
+              <a:buNone/>
+            </a:pPr>
+            <a:r>
+              <a:t/>
+            </a:r>
+            <a:endParaRPr/>
+          </a:p>
+        </p:txBody>
+      </p:sp>
+    </p:spTree>
+  </p:cSld>
+  <p:clrMapOvr>
+    <a:masterClrMapping/>
+  </p:clrMapOvr>
+</p:notes>
+</file>
+
+<file path=ppt/notesSlides/notesSlide18.xml><?xml version="1.0" encoding="utf-8"?>
+<p:notes xmlns:a="http://schemas.openxmlformats.org/drawingml/2006/main" xmlns:r="http://schemas.openxmlformats.org/officeDocument/2006/relationships" xmlns:mc="http://schemas.openxmlformats.org/markup-compatibility/2006" xmlns:mv="urn:schemas-microsoft-com:mac:vml" xmlns:p="http://schemas.openxmlformats.org/presentationml/2006/main" xmlns:c="http://schemas.openxmlformats.org/drawingml/2006/chart" xmlns:dgm="http://schemas.openxmlformats.org/drawingml/2006/diagram" xmlns:o="urn:schemas-microsoft-com:office:office" xmlns:v="urn:schemas-microsoft-com:vml" xmlns:pvml="urn:schemas-microsoft-com:office:powerpoint" xmlns:com="http://schemas.openxmlformats.org/drawingml/2006/compatibility" xmlns:p14="http://schemas.microsoft.com/office/powerpoint/2010/main" xmlns:p15="http://schemas.microsoft.com/office/powerpoint/2012/main" showMasterPhAnim="0" showMasterSp="0">
+  <p:cSld>
+    <p:spTree>
+      <p:nvGrpSpPr>
+        <p:cNvPr id="279" name="Shape 279"/>
+        <p:cNvGrpSpPr/>
+        <p:nvPr/>
+      </p:nvGrpSpPr>
+      <p:grpSpPr>
+        <a:xfrm>
+          <a:off x="0" y="0"/>
+          <a:ext cx="0" cy="0"/>
+          <a:chOff x="0" y="0"/>
+          <a:chExt cx="0" cy="0"/>
+        </a:xfrm>
+      </p:grpSpPr>
+      <p:sp>
+        <p:nvSpPr>
+          <p:cNvPr id="280" name="Shape 280"/>
+          <p:cNvSpPr/>
+          <p:nvPr>
+            <p:ph idx="2" type="sldImg"/>
+          </p:nvPr>
+        </p:nvSpPr>
+        <p:spPr>
+          <a:xfrm>
+            <a:off x="381300" y="685800"/>
+            <a:ext cx="6096000" cy="3429000"/>
+          </a:xfrm>
+          <a:custGeom>
+            <a:pathLst>
+              <a:path extrusionOk="0" h="120000" w="120000">
+                <a:moveTo>
+                  <a:pt x="0" y="0"/>
+                </a:moveTo>
+                <a:lnTo>
+                  <a:pt x="120000" y="0"/>
+                </a:lnTo>
+                <a:lnTo>
+                  <a:pt x="120000" y="120000"/>
+                </a:lnTo>
+                <a:lnTo>
+                  <a:pt x="0" y="120000"/>
+                </a:lnTo>
+                <a:close/>
+              </a:path>
+            </a:pathLst>
+          </a:custGeom>
+        </p:spPr>
+      </p:sp>
+      <p:sp>
+        <p:nvSpPr>
+          <p:cNvPr id="281" name="Shape 281"/>
+          <p:cNvSpPr txBox="1"/>
+          <p:nvPr>
+            <p:ph idx="1" type="body"/>
+          </p:nvPr>
+        </p:nvSpPr>
+        <p:spPr>
+          <a:xfrm>
+            <a:off x="685800" y="4343400"/>
+            <a:ext cx="5486400" cy="4114800"/>
+          </a:xfrm>
+          <a:prstGeom prst="rect">
+            <a:avLst/>
+          </a:prstGeom>
+        </p:spPr>
+        <p:txBody>
+          <a:bodyPr anchorCtr="0" anchor="t" bIns="91425" lIns="91425" rIns="91425" wrap="square" tIns="91425">
+            <a:noAutofit/>
+          </a:bodyPr>
+          <a:lstStyle/>
+          <a:p>
+            <a:pPr lvl="0">
+              <a:spcBef>
+                <a:spcPts val="0"/>
+              </a:spcBef>
+              <a:buNone/>
+            </a:pPr>
+            <a:r>
+              <a:t/>
+            </a:r>
+            <a:endParaRPr/>
+          </a:p>
+        </p:txBody>
+      </p:sp>
+    </p:spTree>
+  </p:cSld>
+  <p:clrMapOvr>
+    <a:masterClrMapping/>
+  </p:clrMapOvr>
+</p:notes>
+</file>
+
+<file path=ppt/notesSlides/notesSlide19.xml><?xml version="1.0" encoding="utf-8"?>
+<p:notes xmlns:a="http://schemas.openxmlformats.org/drawingml/2006/main" xmlns:r="http://schemas.openxmlformats.org/officeDocument/2006/relationships" xmlns:mc="http://schemas.openxmlformats.org/markup-compatibility/2006" xmlns:mv="urn:schemas-microsoft-com:mac:vml" xmlns:p="http://schemas.openxmlformats.org/presentationml/2006/main" xmlns:c="http://schemas.openxmlformats.org/drawingml/2006/chart" xmlns:dgm="http://schemas.openxmlformats.org/drawingml/2006/diagram" xmlns:o="urn:schemas-microsoft-com:office:office" xmlns:v="urn:schemas-microsoft-com:vml" xmlns:pvml="urn:schemas-microsoft-com:office:powerpoint" xmlns:com="http://schemas.openxmlformats.org/drawingml/2006/compatibility" xmlns:p14="http://schemas.microsoft.com/office/powerpoint/2010/main" xmlns:p15="http://schemas.microsoft.com/office/powerpoint/2012/main" showMasterPhAnim="0" showMasterSp="0">
+  <p:cSld>
+    <p:spTree>
+      <p:nvGrpSpPr>
+        <p:cNvPr id="285" name="Shape 285"/>
+        <p:cNvGrpSpPr/>
+        <p:nvPr/>
+      </p:nvGrpSpPr>
+      <p:grpSpPr>
+        <a:xfrm>
+          <a:off x="0" y="0"/>
+          <a:ext cx="0" cy="0"/>
+          <a:chOff x="0" y="0"/>
+          <a:chExt cx="0" cy="0"/>
+        </a:xfrm>
+      </p:grpSpPr>
+      <p:sp>
+        <p:nvSpPr>
+          <p:cNvPr id="286" name="Shape 286"/>
+          <p:cNvSpPr/>
+          <p:nvPr>
+            <p:ph idx="2" type="sldImg"/>
+          </p:nvPr>
+        </p:nvSpPr>
+        <p:spPr>
+          <a:xfrm>
+            <a:off x="381300" y="685800"/>
+            <a:ext cx="6096000" cy="3429000"/>
+          </a:xfrm>
+          <a:custGeom>
+            <a:pathLst>
+              <a:path extrusionOk="0" h="120000" w="120000">
+                <a:moveTo>
+                  <a:pt x="0" y="0"/>
+                </a:moveTo>
+                <a:lnTo>
+                  <a:pt x="120000" y="0"/>
+                </a:lnTo>
+                <a:lnTo>
+                  <a:pt x="120000" y="120000"/>
+                </a:lnTo>
+                <a:lnTo>
+                  <a:pt x="0" y="120000"/>
+                </a:lnTo>
+                <a:close/>
+              </a:path>
+            </a:pathLst>
+          </a:custGeom>
+        </p:spPr>
+      </p:sp>
+      <p:sp>
+        <p:nvSpPr>
+          <p:cNvPr id="287" name="Shape 287"/>
           <p:cNvSpPr txBox="1"/>
           <p:nvPr>
             <p:ph idx="1" type="body"/>
@@ -1464,7 +1848,7 @@
   <p:cSld>
     <p:spTree>
       <p:nvGrpSpPr>
-        <p:cNvPr id="179" name="Shape 179"/>
+        <p:cNvPr id="176" name="Shape 176"/>
         <p:cNvGrpSpPr/>
         <p:nvPr/>
       </p:nvGrpSpPr>
@@ -1478,7 +1862,7 @@
       </p:grpSpPr>
       <p:sp>
         <p:nvSpPr>
-          <p:cNvPr id="180" name="Shape 180"/>
+          <p:cNvPr id="177" name="Shape 177"/>
           <p:cNvSpPr/>
           <p:nvPr>
             <p:ph idx="2" type="sldImg"/>
@@ -1512,7 +1896,7 @@
       </p:sp>
       <p:sp>
         <p:nvSpPr>
-          <p:cNvPr id="181" name="Shape 181"/>
+          <p:cNvPr id="178" name="Shape 178"/>
           <p:cNvSpPr txBox="1"/>
           <p:nvPr>
             <p:ph idx="1" type="body"/>
@@ -1559,7 +1943,7 @@
   <p:cSld>
     <p:spTree>
       <p:nvGrpSpPr>
-        <p:cNvPr id="188" name="Shape 188"/>
+        <p:cNvPr id="182" name="Shape 182"/>
         <p:cNvGrpSpPr/>
         <p:nvPr/>
       </p:nvGrpSpPr>
@@ -1573,7 +1957,7 @@
       </p:grpSpPr>
       <p:sp>
         <p:nvSpPr>
-          <p:cNvPr id="189" name="Shape 189"/>
+          <p:cNvPr id="183" name="Shape 183"/>
           <p:cNvSpPr/>
           <p:nvPr>
             <p:ph idx="2" type="sldImg"/>
@@ -1607,7 +1991,7 @@
       </p:sp>
       <p:sp>
         <p:nvSpPr>
-          <p:cNvPr id="190" name="Shape 190"/>
+          <p:cNvPr id="184" name="Shape 184"/>
           <p:cNvSpPr txBox="1"/>
           <p:nvPr>
             <p:ph idx="1" type="body"/>
@@ -1628,7 +2012,7 @@
           </a:bodyPr>
           <a:lstStyle/>
           <a:p>
-            <a:pPr lvl="0" rtl="0">
+            <a:pPr lvl="0">
               <a:spcBef>
                 <a:spcPts val="0"/>
               </a:spcBef>
@@ -1654,7 +2038,7 @@
   <p:cSld>
     <p:spTree>
       <p:nvGrpSpPr>
-        <p:cNvPr id="194" name="Shape 194"/>
+        <p:cNvPr id="191" name="Shape 191"/>
         <p:cNvGrpSpPr/>
         <p:nvPr/>
       </p:nvGrpSpPr>
@@ -1668,7 +2052,7 @@
       </p:grpSpPr>
       <p:sp>
         <p:nvSpPr>
-          <p:cNvPr id="195" name="Shape 195"/>
+          <p:cNvPr id="192" name="Shape 192"/>
           <p:cNvSpPr/>
           <p:nvPr>
             <p:ph idx="2" type="sldImg"/>
@@ -1702,7 +2086,7 @@
       </p:sp>
       <p:sp>
         <p:nvSpPr>
-          <p:cNvPr id="196" name="Shape 196"/>
+          <p:cNvPr id="193" name="Shape 193"/>
           <p:cNvSpPr txBox="1"/>
           <p:nvPr>
             <p:ph idx="1" type="body"/>
@@ -1723,7 +2107,7 @@
           </a:bodyPr>
           <a:lstStyle/>
           <a:p>
-            <a:pPr lvl="0">
+            <a:pPr lvl="0" rtl="0">
               <a:spcBef>
                 <a:spcPts val="0"/>
               </a:spcBef>
@@ -1749,7 +2133,7 @@
   <p:cSld>
     <p:spTree>
       <p:nvGrpSpPr>
-        <p:cNvPr id="204" name="Shape 204"/>
+        <p:cNvPr id="200" name="Shape 200"/>
         <p:cNvGrpSpPr/>
         <p:nvPr/>
       </p:nvGrpSpPr>
@@ -1763,7 +2147,7 @@
       </p:grpSpPr>
       <p:sp>
         <p:nvSpPr>
-          <p:cNvPr id="205" name="Shape 205"/>
+          <p:cNvPr id="201" name="Shape 201"/>
           <p:cNvSpPr/>
           <p:nvPr>
             <p:ph idx="2" type="sldImg"/>
@@ -1797,7 +2181,7 @@
       </p:sp>
       <p:sp>
         <p:nvSpPr>
-          <p:cNvPr id="206" name="Shape 206"/>
+          <p:cNvPr id="202" name="Shape 202"/>
           <p:cNvSpPr txBox="1"/>
           <p:nvPr>
             <p:ph idx="1" type="body"/>
@@ -8381,8 +8765,8 @@
         </p:nvSpPr>
         <p:spPr>
           <a:xfrm>
-            <a:off x="6903425" y="4076550"/>
-            <a:ext cx="3470700" cy="506100"/>
+            <a:off x="3872200" y="4076550"/>
+            <a:ext cx="6502200" cy="506100"/>
           </a:xfrm>
           <a:prstGeom prst="rect">
             <a:avLst/>
@@ -8400,6 +8784,27 @@
               </a:spcBef>
               <a:buNone/>
             </a:pPr>
+            <a:r>
+              <a:rPr lang="en" sz="1800" u="sng">
+                <a:solidFill>
+                  <a:schemeClr val="hlink"/>
+                </a:solidFill>
+                <a:hlinkClick r:id="rId3"/>
+              </a:rPr>
+              <a:t>https://github.com/tylerjohnhaden</a:t>
+            </a:r>
+            <a:r>
+              <a:rPr lang="en" sz="1800"/>
+              <a:t> </a:t>
+            </a:r>
+            <a:r>
+              <a:rPr lang="en"/>
+              <a:t>-</a:t>
+            </a:r>
+            <a:r>
+              <a:rPr lang="en"/>
+              <a:t> </a:t>
+            </a:r>
             <a:r>
               <a:rPr lang="en"/>
               <a:t>Tyler Haden</a:t>
@@ -8462,7 +8867,7 @@
   <p:cSld>
     <p:spTree>
       <p:nvGrpSpPr>
-        <p:cNvPr id="214" name="Shape 214"/>
+        <p:cNvPr id="212" name="Shape 212"/>
         <p:cNvGrpSpPr/>
         <p:nvPr/>
       </p:nvGrpSpPr>
@@ -8476,14 +8881,14 @@
       </p:grpSpPr>
       <p:sp>
         <p:nvSpPr>
-          <p:cNvPr id="215" name="Shape 215"/>
+          <p:cNvPr id="213" name="Shape 213"/>
           <p:cNvSpPr/>
           <p:nvPr/>
         </p:nvSpPr>
         <p:spPr>
           <a:xfrm>
-            <a:off x="2041075" y="839750"/>
-            <a:ext cx="5108400" cy="3988800"/>
+            <a:off x="1061375" y="994100"/>
+            <a:ext cx="5773200" cy="3857700"/>
           </a:xfrm>
           <a:prstGeom prst="roundRect">
             <a:avLst>
@@ -8524,7 +8929,7 @@
       </p:sp>
       <p:sp>
         <p:nvSpPr>
-          <p:cNvPr id="216" name="Shape 216"/>
+          <p:cNvPr id="214" name="Shape 214"/>
           <p:cNvSpPr txBox="1"/>
           <p:nvPr>
             <p:ph type="title"/>
@@ -8545,7 +8950,7 @@
           </a:bodyPr>
           <a:lstStyle/>
           <a:p>
-            <a:pPr lvl="0">
+            <a:pPr lvl="0" rtl="0">
               <a:spcBef>
                 <a:spcPts val="0"/>
               </a:spcBef>
@@ -8553,14 +8958,14 @@
             </a:pPr>
             <a:r>
               <a:rPr lang="en"/>
-              <a:t>Generators</a:t>
+              <a:t>Promise/Futures</a:t>
             </a:r>
           </a:p>
         </p:txBody>
       </p:sp>
       <p:pic>
         <p:nvPicPr>
-          <p:cNvPr id="217" name="Shape 217"/>
+          <p:cNvPr id="215" name="Shape 215"/>
           <p:cNvPicPr preferRelativeResize="0"/>
           <p:nvPr/>
         </p:nvPicPr>
@@ -8574,8 +8979,8 @@
         </p:blipFill>
         <p:spPr>
           <a:xfrm>
-            <a:off x="2353900" y="1063700"/>
-            <a:ext cx="4436196" cy="3530850"/>
+            <a:off x="1617802" y="1088638"/>
+            <a:ext cx="4237150" cy="3668625"/>
           </a:xfrm>
           <a:prstGeom prst="rect">
             <a:avLst/>
@@ -8586,6 +8991,140 @@
           </a:ln>
         </p:spPr>
       </p:pic>
+      <p:sp>
+        <p:nvSpPr>
+          <p:cNvPr id="216" name="Shape 216"/>
+          <p:cNvSpPr/>
+          <p:nvPr/>
+        </p:nvSpPr>
+        <p:spPr>
+          <a:xfrm flipH="1">
+            <a:off x="6473100" y="1634150"/>
+            <a:ext cx="2286000" cy="2577600"/>
+          </a:xfrm>
+          <a:prstGeom prst="rect">
+            <a:avLst/>
+          </a:prstGeom>
+          <a:solidFill>
+            <a:schemeClr val="dk2"/>
+          </a:solidFill>
+          <a:ln cap="flat" cmpd="sng" w="9525">
+            <a:solidFill>
+              <a:schemeClr val="dk2"/>
+            </a:solidFill>
+            <a:prstDash val="solid"/>
+            <a:round/>
+            <a:headEnd len="med" w="med" type="none"/>
+            <a:tailEnd len="med" w="med" type="none"/>
+          </a:ln>
+        </p:spPr>
+        <p:txBody>
+          <a:bodyPr anchorCtr="0" anchor="ctr" bIns="91425" lIns="91425" rIns="91425" wrap="square" tIns="91425">
+            <a:noAutofit/>
+          </a:bodyPr>
+          <a:lstStyle/>
+          <a:p>
+            <a:pPr lvl="0">
+              <a:spcBef>
+                <a:spcPts val="0"/>
+              </a:spcBef>
+              <a:buNone/>
+            </a:pPr>
+            <a:r>
+              <a:rPr b="1" lang="en">
+                <a:solidFill>
+                  <a:schemeClr val="dk1"/>
+                </a:solidFill>
+              </a:rPr>
+              <a:t>ES6 Promise Api</a:t>
+            </a:r>
+          </a:p>
+          <a:p>
+            <a:pPr lvl="0">
+              <a:spcBef>
+                <a:spcPts val="0"/>
+              </a:spcBef>
+              <a:buNone/>
+            </a:pPr>
+            <a:r>
+              <a:t/>
+            </a:r>
+            <a:endParaRPr>
+              <a:solidFill>
+                <a:schemeClr val="dk1"/>
+              </a:solidFill>
+            </a:endParaRPr>
+          </a:p>
+          <a:p>
+            <a:pPr lvl="0">
+              <a:spcBef>
+                <a:spcPts val="0"/>
+              </a:spcBef>
+              <a:buNone/>
+            </a:pPr>
+            <a:r>
+              <a:rPr lang="en">
+                <a:solidFill>
+                  <a:schemeClr val="dk1"/>
+                </a:solidFill>
+              </a:rPr>
+              <a:t>A Promise object is essentially a wrapper of callbacks and built in error handling. “</a:t>
+            </a:r>
+            <a:r>
+              <a:rPr i="1" lang="en">
+                <a:solidFill>
+                  <a:schemeClr val="dk1"/>
+                </a:solidFill>
+              </a:rPr>
+              <a:t>It </a:t>
+            </a:r>
+            <a:r>
+              <a:rPr i="1" lang="en">
+                <a:solidFill>
+                  <a:schemeClr val="dk1"/>
+                </a:solidFill>
+              </a:rPr>
+              <a:t>represents the eventual completion (or failure) of an asynchronous operation, and its resulting value.</a:t>
+            </a:r>
+            <a:r>
+              <a:rPr lang="en">
+                <a:solidFill>
+                  <a:schemeClr val="dk1"/>
+                </a:solidFill>
+              </a:rPr>
+              <a:t>” - MDN Docs</a:t>
+            </a:r>
+          </a:p>
+        </p:txBody>
+      </p:sp>
+      <p:cxnSp>
+        <p:nvCxnSpPr>
+          <p:cNvPr id="217" name="Shape 217"/>
+          <p:cNvCxnSpPr>
+            <a:stCxn id="216" idx="3"/>
+          </p:cNvCxnSpPr>
+          <p:nvPr/>
+        </p:nvCxnSpPr>
+        <p:spPr>
+          <a:xfrm rot="10800000">
+            <a:off x="3417300" y="1469450"/>
+            <a:ext cx="3055800" cy="1453500"/>
+          </a:xfrm>
+          <a:prstGeom prst="straightConnector1">
+            <a:avLst/>
+          </a:prstGeom>
+          <a:noFill/>
+          <a:ln cap="flat" cmpd="sng" w="38100">
+            <a:solidFill>
+              <a:schemeClr val="dk2"/>
+            </a:solidFill>
+            <a:prstDash val="solid"/>
+            <a:round/>
+            <a:headEnd len="lg" w="lg" type="none"/>
+            <a:tailEnd len="lg" w="lg" type="triangle"/>
+          </a:ln>
+        </p:spPr>
+      </p:cxnSp>
     </p:spTree>
   </p:cSld>
   <p:clrMapOvr>
@@ -8619,56 +9158,8 @@
         </p:nvSpPr>
         <p:spPr>
           <a:xfrm>
-            <a:off x="4537800" y="1381150"/>
-            <a:ext cx="4467900" cy="3295800"/>
-          </a:xfrm>
-          <a:prstGeom prst="roundRect">
-            <a:avLst>
-              <a:gd fmla="val 16667" name="adj"/>
-            </a:avLst>
-          </a:prstGeom>
-          <a:solidFill>
-            <a:schemeClr val="lt1"/>
-          </a:solidFill>
-          <a:ln cap="flat" cmpd="sng" w="76200">
-            <a:solidFill>
-              <a:schemeClr val="dk2"/>
-            </a:solidFill>
-            <a:prstDash val="solid"/>
-            <a:round/>
-            <a:headEnd len="med" w="med" type="none"/>
-            <a:tailEnd len="med" w="med" type="none"/>
-          </a:ln>
-        </p:spPr>
-        <p:txBody>
-          <a:bodyPr anchorCtr="0" anchor="ctr" bIns="91425" lIns="91425" rIns="91425" wrap="square" tIns="91425">
-            <a:noAutofit/>
-          </a:bodyPr>
-          <a:lstStyle/>
-          <a:p>
-            <a:pPr lvl="0">
-              <a:spcBef>
-                <a:spcPts val="0"/>
-              </a:spcBef>
-              <a:buNone/>
-            </a:pPr>
-            <a:r>
-              <a:t/>
-            </a:r>
-            <a:endParaRPr/>
-          </a:p>
-        </p:txBody>
-      </p:sp>
-      <p:sp>
-        <p:nvSpPr>
-          <p:cNvPr id="223" name="Shape 223"/>
-          <p:cNvSpPr/>
-          <p:nvPr/>
-        </p:nvSpPr>
-        <p:spPr>
-          <a:xfrm>
-            <a:off x="209950" y="797975"/>
-            <a:ext cx="4209900" cy="4248900"/>
+            <a:off x="1061375" y="994100"/>
+            <a:ext cx="5540100" cy="3356400"/>
           </a:xfrm>
           <a:prstGeom prst="roundRect">
             <a:avLst>
@@ -8709,7 +9200,7 @@
       </p:sp>
       <p:sp>
         <p:nvSpPr>
-          <p:cNvPr id="224" name="Shape 224"/>
+          <p:cNvPr id="223" name="Shape 223"/>
           <p:cNvSpPr txBox="1"/>
           <p:nvPr>
             <p:ph type="title"/>
@@ -8717,7 +9208,7 @@
         </p:nvSpPr>
         <p:spPr>
           <a:xfrm>
-            <a:off x="1309150" y="314650"/>
+            <a:off x="1297500" y="393750"/>
             <a:ext cx="7038900" cy="914100"/>
           </a:xfrm>
           <a:prstGeom prst="rect">
@@ -8738,14 +9229,14 @@
             </a:pPr>
             <a:r>
               <a:rPr lang="en"/>
-              <a:t>Generators</a:t>
+              <a:t>Promise/Futures</a:t>
             </a:r>
           </a:p>
         </p:txBody>
       </p:sp>
       <p:pic>
         <p:nvPicPr>
-          <p:cNvPr id="225" name="Shape 225"/>
+          <p:cNvPr id="224" name="Shape 224"/>
           <p:cNvPicPr preferRelativeResize="0"/>
           <p:nvPr/>
         </p:nvPicPr>
@@ -8759,8 +9250,8 @@
         </p:blipFill>
         <p:spPr>
           <a:xfrm>
-            <a:off x="338965" y="1228762"/>
-            <a:ext cx="3951860" cy="3387325"/>
+            <a:off x="1527074" y="1551238"/>
+            <a:ext cx="4841800" cy="2320975"/>
           </a:xfrm>
           <a:prstGeom prst="rect">
             <a:avLst/>
@@ -8771,24 +9262,16 @@
           </a:ln>
         </p:spPr>
       </p:pic>
-      <p:pic>
-        <p:nvPicPr>
-          <p:cNvPr id="226" name="Shape 226"/>
-          <p:cNvPicPr preferRelativeResize="0"/>
+      <p:sp>
+        <p:nvSpPr>
+          <p:cNvPr id="225" name="Shape 225"/>
+          <p:cNvSpPr txBox="1"/>
           <p:nvPr/>
-        </p:nvPicPr>
-        <p:blipFill>
-          <a:blip r:embed="rId4">
-            <a:alphaModFix/>
-          </a:blip>
-          <a:stretch>
-            <a:fillRect/>
-          </a:stretch>
-        </p:blipFill>
-        <p:spPr>
-          <a:xfrm>
-            <a:off x="4649675" y="1830400"/>
-            <a:ext cx="4307725" cy="2184025"/>
+        </p:nvSpPr>
+        <p:spPr>
+          <a:xfrm flipH="1">
+            <a:off x="6799725" y="1307850"/>
+            <a:ext cx="2087700" cy="2348100"/>
           </a:xfrm>
           <a:prstGeom prst="rect">
             <a:avLst/>
@@ -8798,7 +9281,61 @@
             <a:noFill/>
           </a:ln>
         </p:spPr>
-      </p:pic>
+        <p:txBody>
+          <a:bodyPr anchorCtr="0" anchor="t" bIns="91425" lIns="91425" rIns="91425" wrap="square" tIns="91425">
+            <a:noAutofit/>
+          </a:bodyPr>
+          <a:lstStyle/>
+          <a:p>
+            <a:pPr lvl="0">
+              <a:spcBef>
+                <a:spcPts val="0"/>
+              </a:spcBef>
+              <a:buNone/>
+            </a:pPr>
+            <a:r>
+              <a:rPr b="1" lang="en">
+                <a:solidFill>
+                  <a:schemeClr val="dk2"/>
+                </a:solidFill>
+              </a:rPr>
+              <a:t>Promises allow you to write synchronous looking code while still utilizing async. This results in a cleaner and more intuitive code base.</a:t>
+            </a:r>
+          </a:p>
+          <a:p>
+            <a:pPr lvl="0">
+              <a:spcBef>
+                <a:spcPts val="0"/>
+              </a:spcBef>
+              <a:buNone/>
+            </a:pPr>
+            <a:r>
+              <a:t/>
+            </a:r>
+            <a:endParaRPr b="1">
+              <a:solidFill>
+                <a:schemeClr val="dk2"/>
+              </a:solidFill>
+            </a:endParaRPr>
+          </a:p>
+          <a:p>
+            <a:pPr lvl="0" rtl="0">
+              <a:spcBef>
+                <a:spcPts val="0"/>
+              </a:spcBef>
+              <a:buNone/>
+            </a:pPr>
+            <a:r>
+              <a:rPr b="1" lang="en">
+                <a:solidFill>
+                  <a:schemeClr val="dk2"/>
+                </a:solidFill>
+              </a:rPr>
+              <a:t>It also makes error handling look like traditional code, with leads to less mistakes when catching errors.</a:t>
+            </a:r>
+          </a:p>
+        </p:txBody>
+      </p:sp>
     </p:spTree>
   </p:cSld>
   <p:clrMapOvr>
@@ -8812,7 +9349,7 @@
   <p:cSld>
     <p:spTree>
       <p:nvGrpSpPr>
-        <p:cNvPr id="230" name="Shape 230"/>
+        <p:cNvPr id="229" name="Shape 229"/>
         <p:cNvGrpSpPr/>
         <p:nvPr/>
       </p:nvGrpSpPr>
@@ -8826,14 +9363,117 @@
       </p:grpSpPr>
       <p:sp>
         <p:nvSpPr>
+          <p:cNvPr id="230" name="Shape 230"/>
+          <p:cNvSpPr txBox="1"/>
+          <p:nvPr>
+            <p:ph type="title"/>
+          </p:nvPr>
+        </p:nvSpPr>
+        <p:spPr>
+          <a:xfrm>
+            <a:off x="746400" y="2114700"/>
+            <a:ext cx="7651200" cy="914100"/>
+          </a:xfrm>
+          <a:prstGeom prst="rect">
+            <a:avLst/>
+          </a:prstGeom>
+        </p:spPr>
+        <p:txBody>
+          <a:bodyPr anchorCtr="0" anchor="ctr" bIns="91425" lIns="91425" rIns="91425" wrap="square" tIns="91425">
+            <a:noAutofit/>
+          </a:bodyPr>
+          <a:lstStyle/>
+          <a:p>
+            <a:pPr lvl="0" algn="ctr">
+              <a:spcBef>
+                <a:spcPts val="0"/>
+              </a:spcBef>
+              <a:buNone/>
+            </a:pPr>
+            <a:r>
+              <a:rPr lang="en" sz="2300"/>
+              <a:t>Generators  -&gt;  Coroutines  -&gt;  “Async/Await” Syntax</a:t>
+            </a:r>
+          </a:p>
+        </p:txBody>
+      </p:sp>
+      <p:sp>
+        <p:nvSpPr>
           <p:cNvPr id="231" name="Shape 231"/>
+          <p:cNvSpPr txBox="1"/>
+          <p:nvPr/>
+        </p:nvSpPr>
+        <p:spPr>
+          <a:xfrm>
+            <a:off x="7102925" y="2752550"/>
+            <a:ext cx="1224900" cy="804900"/>
+          </a:xfrm>
+          <a:prstGeom prst="rect">
+            <a:avLst/>
+          </a:prstGeom>
+          <a:noFill/>
+          <a:ln>
+            <a:noFill/>
+          </a:ln>
+        </p:spPr>
+        <p:txBody>
+          <a:bodyPr anchorCtr="0" anchor="t" bIns="91425" lIns="91425" rIns="91425" wrap="square" tIns="91425">
+            <a:noAutofit/>
+          </a:bodyPr>
+          <a:lstStyle/>
+          <a:p>
+            <a:pPr lvl="0" rtl="0">
+              <a:spcBef>
+                <a:spcPts val="0"/>
+              </a:spcBef>
+              <a:buNone/>
+            </a:pPr>
+            <a:r>
+              <a:rPr lang="en">
+                <a:solidFill>
+                  <a:schemeClr val="lt1"/>
+                </a:solidFill>
+              </a:rPr>
+              <a:t>*Python 3.5+</a:t>
+            </a:r>
+          </a:p>
+        </p:txBody>
+      </p:sp>
+    </p:spTree>
+  </p:cSld>
+  <p:clrMapOvr>
+    <a:masterClrMapping/>
+  </p:clrMapOvr>
+</p:sld>
+</file>
+
+<file path=ppt/slides/slide13.xml><?xml version="1.0" encoding="utf-8"?>
+<p:sld xmlns:a="http://schemas.openxmlformats.org/drawingml/2006/main" xmlns:r="http://schemas.openxmlformats.org/officeDocument/2006/relationships" xmlns:mc="http://schemas.openxmlformats.org/markup-compatibility/2006" xmlns:mv="urn:schemas-microsoft-com:mac:vml" xmlns:p="http://schemas.openxmlformats.org/presentationml/2006/main" xmlns:c="http://schemas.openxmlformats.org/drawingml/2006/chart" xmlns:dgm="http://schemas.openxmlformats.org/drawingml/2006/diagram" xmlns:o="urn:schemas-microsoft-com:office:office" xmlns:v="urn:schemas-microsoft-com:vml" xmlns:pvml="urn:schemas-microsoft-com:office:powerpoint" xmlns:com="http://schemas.openxmlformats.org/drawingml/2006/compatibility" xmlns:p14="http://schemas.microsoft.com/office/powerpoint/2010/main" xmlns:p15="http://schemas.microsoft.com/office/powerpoint/2012/main">
+  <p:cSld>
+    <p:spTree>
+      <p:nvGrpSpPr>
+        <p:cNvPr id="235" name="Shape 235"/>
+        <p:cNvGrpSpPr/>
+        <p:nvPr/>
+      </p:nvGrpSpPr>
+      <p:grpSpPr>
+        <a:xfrm>
+          <a:off x="0" y="0"/>
+          <a:ext cx="0" cy="0"/>
+          <a:chOff x="0" y="0"/>
+          <a:chExt cx="0" cy="0"/>
+        </a:xfrm>
+      </p:grpSpPr>
+      <p:sp>
+        <p:nvSpPr>
+          <p:cNvPr id="236" name="Shape 236"/>
           <p:cNvSpPr/>
           <p:nvPr/>
         </p:nvSpPr>
         <p:spPr>
           <a:xfrm>
-            <a:off x="1154700" y="963025"/>
-            <a:ext cx="6834600" cy="3540900"/>
+            <a:off x="1061375" y="968050"/>
+            <a:ext cx="5679900" cy="4059000"/>
           </a:xfrm>
           <a:prstGeom prst="roundRect">
             <a:avLst>
@@ -8874,7 +9514,7 @@
       </p:sp>
       <p:sp>
         <p:nvSpPr>
-          <p:cNvPr id="232" name="Shape 232"/>
+          <p:cNvPr id="237" name="Shape 237"/>
           <p:cNvSpPr txBox="1"/>
           <p:nvPr>
             <p:ph type="title"/>
@@ -8888,6 +9528,44 @@
           <a:prstGeom prst="rect">
             <a:avLst/>
           </a:prstGeom>
+        </p:spPr>
+        <p:txBody>
+          <a:bodyPr anchorCtr="0" anchor="t" bIns="91425" lIns="91425" rIns="91425" wrap="square" tIns="91425">
+            <a:noAutofit/>
+          </a:bodyPr>
+          <a:lstStyle/>
+          <a:p>
+            <a:pPr lvl="0" rtl="0">
+              <a:spcBef>
+                <a:spcPts val="0"/>
+              </a:spcBef>
+              <a:buNone/>
+            </a:pPr>
+            <a:r>
+              <a:rPr lang="en"/>
+              <a:t>Generators</a:t>
+            </a:r>
+          </a:p>
+        </p:txBody>
+      </p:sp>
+      <p:sp>
+        <p:nvSpPr>
+          <p:cNvPr id="238" name="Shape 238"/>
+          <p:cNvSpPr txBox="1"/>
+          <p:nvPr/>
+        </p:nvSpPr>
+        <p:spPr>
+          <a:xfrm flipH="1">
+            <a:off x="6799725" y="1307850"/>
+            <a:ext cx="2087700" cy="2348100"/>
+          </a:xfrm>
+          <a:prstGeom prst="rect">
+            <a:avLst/>
+          </a:prstGeom>
+          <a:noFill/>
+          <a:ln>
+            <a:noFill/>
+          </a:ln>
         </p:spPr>
         <p:txBody>
           <a:bodyPr anchorCtr="0" anchor="t" bIns="91425" lIns="91425" rIns="91425" wrap="square" tIns="91425">
@@ -8902,15 +9580,67 @@
               <a:buNone/>
             </a:pPr>
             <a:r>
-              <a:rPr lang="en"/>
-              <a:t>Coroutines</a:t>
+              <a:rPr b="1" lang="en">
+                <a:solidFill>
+                  <a:schemeClr val="dk2"/>
+                </a:solidFill>
+              </a:rPr>
+              <a:t>Generators are borrowed from functional languages. Python has them baked into the standard library, i.e. “range”, “__iter__”.</a:t>
+            </a:r>
+          </a:p>
+          <a:p>
+            <a:pPr lvl="0">
+              <a:spcBef>
+                <a:spcPts val="0"/>
+              </a:spcBef>
+              <a:buNone/>
+            </a:pPr>
+            <a:r>
+              <a:t/>
+            </a:r>
+            <a:endParaRPr b="1">
+              <a:solidFill>
+                <a:schemeClr val="dk2"/>
+              </a:solidFill>
+            </a:endParaRPr>
+          </a:p>
+          <a:p>
+            <a:pPr lvl="0" rtl="0">
+              <a:spcBef>
+                <a:spcPts val="0"/>
+              </a:spcBef>
+              <a:buNone/>
+            </a:pPr>
+            <a:r>
+              <a:rPr b="1" lang="en">
+                <a:solidFill>
+                  <a:schemeClr val="dk2"/>
+                </a:solidFill>
+              </a:rPr>
+              <a:t>They can be used to minimize the heap required to store lists of objects that can be </a:t>
+            </a:r>
+            <a:r>
+              <a:rPr b="1" i="1" lang="en">
+                <a:solidFill>
+                  <a:schemeClr val="dk2"/>
+                </a:solidFill>
+              </a:rPr>
+              <a:t>generated</a:t>
+            </a:r>
+            <a:r>
+              <a:rPr b="1" lang="en">
+                <a:solidFill>
+                  <a:schemeClr val="dk2"/>
+                </a:solidFill>
+              </a:rPr>
+              <a:t> dynamically.</a:t>
             </a:r>
           </a:p>
         </p:txBody>
       </p:sp>
       <p:pic>
         <p:nvPicPr>
-          <p:cNvPr id="233" name="Shape 233"/>
+          <p:cNvPr id="239" name="Shape 239"/>
           <p:cNvPicPr preferRelativeResize="0"/>
           <p:nvPr/>
         </p:nvPicPr>
@@ -8924,84 +9654,8 @@
         </p:blipFill>
         <p:spPr>
           <a:xfrm>
-            <a:off x="1676188" y="1307850"/>
-            <a:ext cx="5791624" cy="2851261"/>
-          </a:xfrm>
-          <a:prstGeom prst="rect">
-            <a:avLst/>
-          </a:prstGeom>
-          <a:noFill/>
-          <a:ln>
-            <a:noFill/>
-          </a:ln>
-        </p:spPr>
-      </p:pic>
-      <p:sp>
-        <p:nvSpPr>
-          <p:cNvPr id="234" name="Shape 234"/>
-          <p:cNvSpPr/>
-          <p:nvPr/>
-        </p:nvSpPr>
-        <p:spPr>
-          <a:xfrm>
-            <a:off x="5120175" y="2437625"/>
-            <a:ext cx="3825600" cy="2496000"/>
-          </a:xfrm>
-          <a:prstGeom prst="roundRect">
-            <a:avLst>
-              <a:gd fmla="val 16667" name="adj"/>
-            </a:avLst>
-          </a:prstGeom>
-          <a:solidFill>
-            <a:schemeClr val="lt1"/>
-          </a:solidFill>
-          <a:ln cap="flat" cmpd="sng" w="76200">
-            <a:solidFill>
-              <a:schemeClr val="dk2"/>
-            </a:solidFill>
-            <a:prstDash val="solid"/>
-            <a:round/>
-            <a:headEnd len="med" w="med" type="none"/>
-            <a:tailEnd len="med" w="med" type="none"/>
-          </a:ln>
-        </p:spPr>
-        <p:txBody>
-          <a:bodyPr anchorCtr="0" anchor="ctr" bIns="91425" lIns="91425" rIns="91425" wrap="square" tIns="91425">
-            <a:noAutofit/>
-          </a:bodyPr>
-          <a:lstStyle/>
-          <a:p>
-            <a:pPr lvl="0">
-              <a:spcBef>
-                <a:spcPts val="0"/>
-              </a:spcBef>
-              <a:buNone/>
-            </a:pPr>
-            <a:r>
-              <a:t/>
-            </a:r>
-            <a:endParaRPr/>
-          </a:p>
-        </p:txBody>
-      </p:sp>
-      <p:pic>
-        <p:nvPicPr>
-          <p:cNvPr id="235" name="Shape 235"/>
-          <p:cNvPicPr preferRelativeResize="0"/>
-          <p:nvPr/>
-        </p:nvPicPr>
-        <p:blipFill>
-          <a:blip r:embed="rId4">
-            <a:alphaModFix/>
-          </a:blip>
-          <a:stretch>
-            <a:fillRect/>
-          </a:stretch>
-        </p:blipFill>
-        <p:spPr>
-          <a:xfrm>
-            <a:off x="5156550" y="2971250"/>
-            <a:ext cx="3752850" cy="1428750"/>
+            <a:off x="1377200" y="1116350"/>
+            <a:ext cx="5048250" cy="3762375"/>
           </a:xfrm>
           <a:prstGeom prst="rect">
             <a:avLst/>
@@ -9020,12 +9674,12 @@
 </p:sld>
 </file>
 
-<file path=ppt/slides/slide13.xml><?xml version="1.0" encoding="utf-8"?>
+<file path=ppt/slides/slide14.xml><?xml version="1.0" encoding="utf-8"?>
 <p:sld xmlns:a="http://schemas.openxmlformats.org/drawingml/2006/main" xmlns:r="http://schemas.openxmlformats.org/officeDocument/2006/relationships" xmlns:mc="http://schemas.openxmlformats.org/markup-compatibility/2006" xmlns:mv="urn:schemas-microsoft-com:mac:vml" xmlns:p="http://schemas.openxmlformats.org/presentationml/2006/main" xmlns:c="http://schemas.openxmlformats.org/drawingml/2006/chart" xmlns:dgm="http://schemas.openxmlformats.org/drawingml/2006/diagram" xmlns:o="urn:schemas-microsoft-com:office:office" xmlns:v="urn:schemas-microsoft-com:vml" xmlns:pvml="urn:schemas-microsoft-com:office:powerpoint" xmlns:com="http://schemas.openxmlformats.org/drawingml/2006/compatibility" xmlns:p14="http://schemas.microsoft.com/office/powerpoint/2010/main" xmlns:p15="http://schemas.microsoft.com/office/powerpoint/2012/main">
   <p:cSld>
     <p:spTree>
       <p:nvGrpSpPr>
-        <p:cNvPr id="239" name="Shape 239"/>
+        <p:cNvPr id="243" name="Shape 243"/>
         <p:cNvGrpSpPr/>
         <p:nvPr/>
       </p:nvGrpSpPr>
@@ -9039,14 +9693,14 @@
       </p:grpSpPr>
       <p:sp>
         <p:nvSpPr>
-          <p:cNvPr id="240" name="Shape 240"/>
+          <p:cNvPr id="244" name="Shape 244"/>
           <p:cNvSpPr/>
           <p:nvPr/>
         </p:nvSpPr>
         <p:spPr>
           <a:xfrm>
-            <a:off x="782500" y="963025"/>
-            <a:ext cx="4724700" cy="3540900"/>
+            <a:off x="419900" y="909750"/>
+            <a:ext cx="3697200" cy="3219000"/>
           </a:xfrm>
           <a:prstGeom prst="roundRect">
             <a:avLst>
@@ -9087,7 +9741,55 @@
       </p:sp>
       <p:sp>
         <p:nvSpPr>
-          <p:cNvPr id="241" name="Shape 241"/>
+          <p:cNvPr id="245" name="Shape 245"/>
+          <p:cNvSpPr/>
+          <p:nvPr/>
+        </p:nvSpPr>
+        <p:spPr>
+          <a:xfrm>
+            <a:off x="3942175" y="3090775"/>
+            <a:ext cx="5108400" cy="2052600"/>
+          </a:xfrm>
+          <a:prstGeom prst="roundRect">
+            <a:avLst>
+              <a:gd fmla="val 16667" name="adj"/>
+            </a:avLst>
+          </a:prstGeom>
+          <a:solidFill>
+            <a:schemeClr val="lt1"/>
+          </a:solidFill>
+          <a:ln cap="flat" cmpd="sng" w="38100">
+            <a:solidFill>
+              <a:schemeClr val="dk2"/>
+            </a:solidFill>
+            <a:prstDash val="solid"/>
+            <a:round/>
+            <a:headEnd len="med" w="med" type="none"/>
+            <a:tailEnd len="med" w="med" type="none"/>
+          </a:ln>
+        </p:spPr>
+        <p:txBody>
+          <a:bodyPr anchorCtr="0" anchor="ctr" bIns="91425" lIns="91425" rIns="91425" wrap="square" tIns="91425">
+            <a:noAutofit/>
+          </a:bodyPr>
+          <a:lstStyle/>
+          <a:p>
+            <a:pPr lvl="0">
+              <a:spcBef>
+                <a:spcPts val="0"/>
+              </a:spcBef>
+              <a:buNone/>
+            </a:pPr>
+            <a:r>
+              <a:t/>
+            </a:r>
+            <a:endParaRPr/>
+          </a:p>
+        </p:txBody>
+      </p:sp>
+      <p:sp>
+        <p:nvSpPr>
+          <p:cNvPr id="246" name="Shape 246"/>
           <p:cNvSpPr txBox="1"/>
           <p:nvPr>
             <p:ph type="title"/>
@@ -9095,7 +9797,7 @@
         </p:nvSpPr>
         <p:spPr>
           <a:xfrm>
-            <a:off x="1297500" y="393750"/>
+            <a:off x="1332475" y="393750"/>
             <a:ext cx="7038900" cy="914100"/>
           </a:xfrm>
           <a:prstGeom prst="rect">
@@ -9116,14 +9818,88 @@
             </a:pPr>
             <a:r>
               <a:rPr lang="en"/>
-              <a:t>Async / Await</a:t>
+              <a:t>Generators</a:t>
+            </a:r>
+          </a:p>
+        </p:txBody>
+      </p:sp>
+      <p:sp>
+        <p:nvSpPr>
+          <p:cNvPr id="247" name="Shape 247"/>
+          <p:cNvSpPr txBox="1"/>
+          <p:nvPr/>
+        </p:nvSpPr>
+        <p:spPr>
+          <a:xfrm flipH="1">
+            <a:off x="4618700" y="909750"/>
+            <a:ext cx="4038300" cy="1924500"/>
+          </a:xfrm>
+          <a:prstGeom prst="rect">
+            <a:avLst/>
+          </a:prstGeom>
+          <a:noFill/>
+          <a:ln>
+            <a:noFill/>
+          </a:ln>
+        </p:spPr>
+        <p:txBody>
+          <a:bodyPr anchorCtr="0" anchor="t" bIns="91425" lIns="91425" rIns="91425" wrap="square" tIns="91425">
+            <a:noAutofit/>
+          </a:bodyPr>
+          <a:lstStyle/>
+          <a:p>
+            <a:pPr lvl="0">
+              <a:spcBef>
+                <a:spcPts val="0"/>
+              </a:spcBef>
+              <a:buNone/>
+            </a:pPr>
+            <a:r>
+              <a:rPr b="1" lang="en">
+                <a:solidFill>
+                  <a:schemeClr val="dk2"/>
+                </a:solidFill>
+              </a:rPr>
+              <a:t>You can define your own generators by using “yield” instead of “return”. Python automatically knows to make this function a generator.</a:t>
+            </a:r>
+          </a:p>
+          <a:p>
+            <a:pPr lvl="0">
+              <a:spcBef>
+                <a:spcPts val="0"/>
+              </a:spcBef>
+              <a:buNone/>
+            </a:pPr>
+            <a:r>
+              <a:t/>
+            </a:r>
+            <a:endParaRPr b="1">
+              <a:solidFill>
+                <a:schemeClr val="dk2"/>
+              </a:solidFill>
+            </a:endParaRPr>
+          </a:p>
+          <a:p>
+            <a:pPr lvl="0" rtl="0">
+              <a:spcBef>
+                <a:spcPts val="0"/>
+              </a:spcBef>
+              <a:buNone/>
+            </a:pPr>
+            <a:r>
+              <a:rPr b="1" lang="en">
+                <a:solidFill>
+                  <a:schemeClr val="dk2"/>
+                </a:solidFill>
+              </a:rPr>
+              <a:t>The state of this function’s execution (stack) is stored in memory until another “next” is called.</a:t>
             </a:r>
           </a:p>
         </p:txBody>
       </p:sp>
       <p:pic>
         <p:nvPicPr>
-          <p:cNvPr id="242" name="Shape 242"/>
+          <p:cNvPr id="248" name="Shape 248"/>
           <p:cNvPicPr preferRelativeResize="0"/>
           <p:nvPr/>
         </p:nvPicPr>
@@ -9137,8 +9913,8 @@
         </p:blipFill>
         <p:spPr>
           <a:xfrm>
-            <a:off x="1201300" y="1153427"/>
-            <a:ext cx="4025975" cy="3160075"/>
+            <a:off x="644350" y="1148400"/>
+            <a:ext cx="3245375" cy="2770450"/>
           </a:xfrm>
           <a:prstGeom prst="rect">
             <a:avLst/>
@@ -9149,72 +9925,23 @@
           </a:ln>
         </p:spPr>
       </p:pic>
-      <p:sp>
-        <p:nvSpPr>
-          <p:cNvPr id="243" name="Shape 243"/>
-          <p:cNvSpPr/>
-          <p:nvPr/>
-        </p:nvSpPr>
-        <p:spPr>
-          <a:xfrm>
-            <a:off x="5773324" y="963038"/>
-            <a:ext cx="2998200" cy="3540900"/>
-          </a:xfrm>
-          <a:prstGeom prst="roundRect">
-            <a:avLst>
-              <a:gd fmla="val 16667" name="adj"/>
-            </a:avLst>
-          </a:prstGeom>
-          <a:solidFill>
-            <a:schemeClr val="lt1"/>
-          </a:solidFill>
-          <a:ln cap="flat" cmpd="sng" w="76200">
-            <a:solidFill>
-              <a:schemeClr val="dk2"/>
-            </a:solidFill>
-            <a:prstDash val="solid"/>
-            <a:round/>
-            <a:headEnd len="med" w="med" type="none"/>
-            <a:tailEnd len="med" w="med" type="none"/>
-          </a:ln>
-        </p:spPr>
-        <p:txBody>
-          <a:bodyPr anchorCtr="0" anchor="ctr" bIns="91425" lIns="91425" rIns="91425" wrap="square" tIns="91425">
-            <a:noAutofit/>
-          </a:bodyPr>
-          <a:lstStyle/>
-          <a:p>
-            <a:pPr lvl="0">
-              <a:spcBef>
-                <a:spcPts val="0"/>
-              </a:spcBef>
-              <a:buNone/>
-            </a:pPr>
-            <a:r>
-              <a:t/>
-            </a:r>
-            <a:endParaRPr/>
-          </a:p>
-        </p:txBody>
-      </p:sp>
       <p:pic>
         <p:nvPicPr>
-          <p:cNvPr id="244" name="Shape 244"/>
+          <p:cNvPr id="249" name="Shape 249"/>
           <p:cNvPicPr preferRelativeResize="0"/>
           <p:nvPr/>
         </p:nvPicPr>
-        <p:blipFill>
+        <p:blipFill rotWithShape="1">
           <a:blip r:embed="rId4">
             <a:alphaModFix/>
           </a:blip>
-          <a:stretch>
-            <a:fillRect/>
-          </a:stretch>
+          <a:srcRect b="15383" l="0" r="0" t="0"/>
+          <a:stretch/>
         </p:blipFill>
         <p:spPr>
           <a:xfrm>
-            <a:off x="6079275" y="1394669"/>
-            <a:ext cx="1431875" cy="2677600"/>
+            <a:off x="4335750" y="3149075"/>
+            <a:ext cx="4321250" cy="1924450"/>
           </a:xfrm>
           <a:prstGeom prst="rect">
             <a:avLst/>
@@ -9233,12 +9960,12 @@
 </p:sld>
 </file>
 
-<file path=ppt/slides/slide14.xml><?xml version="1.0" encoding="utf-8"?>
+<file path=ppt/slides/slide15.xml><?xml version="1.0" encoding="utf-8"?>
 <p:sld xmlns:a="http://schemas.openxmlformats.org/drawingml/2006/main" xmlns:r="http://schemas.openxmlformats.org/officeDocument/2006/relationships" xmlns:mc="http://schemas.openxmlformats.org/markup-compatibility/2006" xmlns:mv="urn:schemas-microsoft-com:mac:vml" xmlns:p="http://schemas.openxmlformats.org/presentationml/2006/main" xmlns:c="http://schemas.openxmlformats.org/drawingml/2006/chart" xmlns:dgm="http://schemas.openxmlformats.org/drawingml/2006/diagram" xmlns:o="urn:schemas-microsoft-com:office:office" xmlns:v="urn:schemas-microsoft-com:vml" xmlns:pvml="urn:schemas-microsoft-com:office:powerpoint" xmlns:com="http://schemas.openxmlformats.org/drawingml/2006/compatibility" xmlns:p14="http://schemas.microsoft.com/office/powerpoint/2010/main" xmlns:p15="http://schemas.microsoft.com/office/powerpoint/2012/main">
   <p:cSld>
     <p:spTree>
       <p:nvGrpSpPr>
-        <p:cNvPr id="248" name="Shape 248"/>
+        <p:cNvPr id="253" name="Shape 253"/>
         <p:cNvGrpSpPr/>
         <p:nvPr/>
       </p:nvGrpSpPr>
@@ -9252,14 +9979,14 @@
       </p:grpSpPr>
       <p:sp>
         <p:nvSpPr>
-          <p:cNvPr id="249" name="Shape 249"/>
+          <p:cNvPr id="254" name="Shape 254"/>
           <p:cNvSpPr/>
           <p:nvPr/>
         </p:nvSpPr>
         <p:spPr>
           <a:xfrm>
-            <a:off x="1661988" y="1009763"/>
-            <a:ext cx="5820000" cy="3540900"/>
+            <a:off x="419900" y="909750"/>
+            <a:ext cx="5983200" cy="4175400"/>
           </a:xfrm>
           <a:prstGeom prst="roundRect">
             <a:avLst>
@@ -9300,7 +10027,691 @@
       </p:sp>
       <p:sp>
         <p:nvSpPr>
-          <p:cNvPr id="250" name="Shape 250"/>
+          <p:cNvPr id="255" name="Shape 255"/>
+          <p:cNvSpPr txBox="1"/>
+          <p:nvPr>
+            <p:ph type="title"/>
+          </p:nvPr>
+        </p:nvSpPr>
+        <p:spPr>
+          <a:xfrm>
+            <a:off x="1332475" y="393750"/>
+            <a:ext cx="7038900" cy="914100"/>
+          </a:xfrm>
+          <a:prstGeom prst="rect">
+            <a:avLst/>
+          </a:prstGeom>
+        </p:spPr>
+        <p:txBody>
+          <a:bodyPr anchorCtr="0" anchor="t" bIns="91425" lIns="91425" rIns="91425" wrap="square" tIns="91425">
+            <a:noAutofit/>
+          </a:bodyPr>
+          <a:lstStyle/>
+          <a:p>
+            <a:pPr lvl="0" rtl="0">
+              <a:spcBef>
+                <a:spcPts val="0"/>
+              </a:spcBef>
+              <a:buNone/>
+            </a:pPr>
+            <a:r>
+              <a:rPr lang="en"/>
+              <a:t>Coroutines</a:t>
+            </a:r>
+          </a:p>
+        </p:txBody>
+      </p:sp>
+      <p:sp>
+        <p:nvSpPr>
+          <p:cNvPr id="256" name="Shape 256"/>
+          <p:cNvSpPr txBox="1"/>
+          <p:nvPr/>
+        </p:nvSpPr>
+        <p:spPr>
+          <a:xfrm flipH="1">
+            <a:off x="6636325" y="653150"/>
+            <a:ext cx="1985700" cy="1924500"/>
+          </a:xfrm>
+          <a:prstGeom prst="rect">
+            <a:avLst/>
+          </a:prstGeom>
+          <a:noFill/>
+          <a:ln>
+            <a:noFill/>
+          </a:ln>
+        </p:spPr>
+        <p:txBody>
+          <a:bodyPr anchorCtr="0" anchor="t" bIns="91425" lIns="91425" rIns="91425" wrap="square" tIns="91425">
+            <a:noAutofit/>
+          </a:bodyPr>
+          <a:lstStyle/>
+          <a:p>
+            <a:pPr lvl="0">
+              <a:spcBef>
+                <a:spcPts val="0"/>
+              </a:spcBef>
+              <a:buNone/>
+            </a:pPr>
+            <a:r>
+              <a:rPr b="1" lang="en">
+                <a:solidFill>
+                  <a:schemeClr val="dk2"/>
+                </a:solidFill>
+              </a:rPr>
+              <a:t>A coroutine is a generator that you pass in data throughout it’s lifetime.  </a:t>
+            </a:r>
+          </a:p>
+          <a:p>
+            <a:pPr lvl="0">
+              <a:spcBef>
+                <a:spcPts val="0"/>
+              </a:spcBef>
+              <a:buNone/>
+            </a:pPr>
+            <a:r>
+              <a:t/>
+            </a:r>
+            <a:endParaRPr b="1">
+              <a:solidFill>
+                <a:schemeClr val="dk2"/>
+              </a:solidFill>
+            </a:endParaRPr>
+          </a:p>
+          <a:p>
+            <a:pPr lvl="0" rtl="0">
+              <a:spcBef>
+                <a:spcPts val="0"/>
+              </a:spcBef>
+              <a:buNone/>
+            </a:pPr>
+            <a:r>
+              <a:rPr b="1" lang="en">
+                <a:solidFill>
+                  <a:schemeClr val="dk2"/>
+                </a:solidFill>
+              </a:rPr>
+              <a:t>“Yield” allows the stack to ‘pause’ until another piece of data is passed in.</a:t>
+            </a:r>
+          </a:p>
+        </p:txBody>
+      </p:sp>
+      <p:pic>
+        <p:nvPicPr>
+          <p:cNvPr id="257" name="Shape 257"/>
+          <p:cNvPicPr preferRelativeResize="0"/>
+          <p:nvPr/>
+        </p:nvPicPr>
+        <p:blipFill>
+          <a:blip r:embed="rId3">
+            <a:alphaModFix/>
+          </a:blip>
+          <a:stretch>
+            <a:fillRect/>
+          </a:stretch>
+        </p:blipFill>
+        <p:spPr>
+          <a:xfrm>
+            <a:off x="681413" y="1111500"/>
+            <a:ext cx="5476875" cy="3771900"/>
+          </a:xfrm>
+          <a:prstGeom prst="rect">
+            <a:avLst/>
+          </a:prstGeom>
+          <a:noFill/>
+          <a:ln>
+            <a:noFill/>
+          </a:ln>
+        </p:spPr>
+      </p:pic>
+      <p:sp>
+        <p:nvSpPr>
+          <p:cNvPr id="258" name="Shape 258"/>
+          <p:cNvSpPr/>
+          <p:nvPr/>
+        </p:nvSpPr>
+        <p:spPr>
+          <a:xfrm>
+            <a:off x="4245425" y="3090775"/>
+            <a:ext cx="4805100" cy="2052600"/>
+          </a:xfrm>
+          <a:prstGeom prst="roundRect">
+            <a:avLst>
+              <a:gd fmla="val 16667" name="adj"/>
+            </a:avLst>
+          </a:prstGeom>
+          <a:solidFill>
+            <a:schemeClr val="lt1"/>
+          </a:solidFill>
+          <a:ln cap="flat" cmpd="sng" w="38100">
+            <a:solidFill>
+              <a:schemeClr val="dk2"/>
+            </a:solidFill>
+            <a:prstDash val="solid"/>
+            <a:round/>
+            <a:headEnd len="med" w="med" type="none"/>
+            <a:tailEnd len="med" w="med" type="none"/>
+          </a:ln>
+        </p:spPr>
+        <p:txBody>
+          <a:bodyPr anchorCtr="0" anchor="ctr" bIns="91425" lIns="91425" rIns="91425" wrap="square" tIns="91425">
+            <a:noAutofit/>
+          </a:bodyPr>
+          <a:lstStyle/>
+          <a:p>
+            <a:pPr lvl="0">
+              <a:spcBef>
+                <a:spcPts val="0"/>
+              </a:spcBef>
+              <a:buNone/>
+            </a:pPr>
+            <a:r>
+              <a:t/>
+            </a:r>
+            <a:endParaRPr/>
+          </a:p>
+        </p:txBody>
+      </p:sp>
+      <p:pic>
+        <p:nvPicPr>
+          <p:cNvPr id="259" name="Shape 259"/>
+          <p:cNvPicPr preferRelativeResize="0"/>
+          <p:nvPr/>
+        </p:nvPicPr>
+        <p:blipFill>
+          <a:blip r:embed="rId4">
+            <a:alphaModFix/>
+          </a:blip>
+          <a:stretch>
+            <a:fillRect/>
+          </a:stretch>
+        </p:blipFill>
+        <p:spPr>
+          <a:xfrm>
+            <a:off x="4618700" y="3207425"/>
+            <a:ext cx="3467100" cy="1819275"/>
+          </a:xfrm>
+          <a:prstGeom prst="rect">
+            <a:avLst/>
+          </a:prstGeom>
+          <a:noFill/>
+          <a:ln>
+            <a:noFill/>
+          </a:ln>
+        </p:spPr>
+      </p:pic>
+    </p:spTree>
+  </p:cSld>
+  <p:clrMapOvr>
+    <a:masterClrMapping/>
+  </p:clrMapOvr>
+</p:sld>
+</file>
+
+<file path=ppt/slides/slide16.xml><?xml version="1.0" encoding="utf-8"?>
+<p:sld xmlns:a="http://schemas.openxmlformats.org/drawingml/2006/main" xmlns:r="http://schemas.openxmlformats.org/officeDocument/2006/relationships" xmlns:mc="http://schemas.openxmlformats.org/markup-compatibility/2006" xmlns:mv="urn:schemas-microsoft-com:mac:vml" xmlns:p="http://schemas.openxmlformats.org/presentationml/2006/main" xmlns:c="http://schemas.openxmlformats.org/drawingml/2006/chart" xmlns:dgm="http://schemas.openxmlformats.org/drawingml/2006/diagram" xmlns:o="urn:schemas-microsoft-com:office:office" xmlns:v="urn:schemas-microsoft-com:vml" xmlns:pvml="urn:schemas-microsoft-com:office:powerpoint" xmlns:com="http://schemas.openxmlformats.org/drawingml/2006/compatibility" xmlns:p14="http://schemas.microsoft.com/office/powerpoint/2010/main" xmlns:p15="http://schemas.microsoft.com/office/powerpoint/2012/main">
+  <p:cSld>
+    <p:spTree>
+      <p:nvGrpSpPr>
+        <p:cNvPr id="263" name="Shape 263"/>
+        <p:cNvGrpSpPr/>
+        <p:nvPr/>
+      </p:nvGrpSpPr>
+      <p:grpSpPr>
+        <a:xfrm>
+          <a:off x="0" y="0"/>
+          <a:ext cx="0" cy="0"/>
+          <a:chOff x="0" y="0"/>
+          <a:chExt cx="0" cy="0"/>
+        </a:xfrm>
+      </p:grpSpPr>
+      <p:sp>
+        <p:nvSpPr>
+          <p:cNvPr id="264" name="Shape 264"/>
+          <p:cNvSpPr/>
+          <p:nvPr/>
+        </p:nvSpPr>
+        <p:spPr>
+          <a:xfrm>
+            <a:off x="782500" y="963025"/>
+            <a:ext cx="4081200" cy="3270900"/>
+          </a:xfrm>
+          <a:prstGeom prst="roundRect">
+            <a:avLst>
+              <a:gd fmla="val 16667" name="adj"/>
+            </a:avLst>
+          </a:prstGeom>
+          <a:solidFill>
+            <a:schemeClr val="lt1"/>
+          </a:solidFill>
+          <a:ln cap="flat" cmpd="sng" w="9525">
+            <a:solidFill>
+              <a:schemeClr val="dk2"/>
+            </a:solidFill>
+            <a:prstDash val="solid"/>
+            <a:round/>
+            <a:headEnd len="med" w="med" type="none"/>
+            <a:tailEnd len="med" w="med" type="none"/>
+          </a:ln>
+        </p:spPr>
+        <p:txBody>
+          <a:bodyPr anchorCtr="0" anchor="ctr" bIns="91425" lIns="91425" rIns="91425" wrap="square" tIns="91425">
+            <a:noAutofit/>
+          </a:bodyPr>
+          <a:lstStyle/>
+          <a:p>
+            <a:pPr lvl="0">
+              <a:spcBef>
+                <a:spcPts val="0"/>
+              </a:spcBef>
+              <a:buNone/>
+            </a:pPr>
+            <a:r>
+              <a:t/>
+            </a:r>
+            <a:endParaRPr/>
+          </a:p>
+        </p:txBody>
+      </p:sp>
+      <p:sp>
+        <p:nvSpPr>
+          <p:cNvPr id="265" name="Shape 265"/>
+          <p:cNvSpPr txBox="1"/>
+          <p:nvPr>
+            <p:ph type="title"/>
+          </p:nvPr>
+        </p:nvSpPr>
+        <p:spPr>
+          <a:xfrm>
+            <a:off x="1297500" y="393750"/>
+            <a:ext cx="7038900" cy="914100"/>
+          </a:xfrm>
+          <a:prstGeom prst="rect">
+            <a:avLst/>
+          </a:prstGeom>
+        </p:spPr>
+        <p:txBody>
+          <a:bodyPr anchorCtr="0" anchor="t" bIns="91425" lIns="91425" rIns="91425" wrap="square" tIns="91425">
+            <a:noAutofit/>
+          </a:bodyPr>
+          <a:lstStyle/>
+          <a:p>
+            <a:pPr lvl="0" rtl="0">
+              <a:spcBef>
+                <a:spcPts val="0"/>
+              </a:spcBef>
+              <a:buNone/>
+            </a:pPr>
+            <a:r>
+              <a:rPr lang="en"/>
+              <a:t>Async / Await</a:t>
+            </a:r>
+          </a:p>
+        </p:txBody>
+      </p:sp>
+      <p:sp>
+        <p:nvSpPr>
+          <p:cNvPr id="266" name="Shape 266"/>
+          <p:cNvSpPr/>
+          <p:nvPr/>
+        </p:nvSpPr>
+        <p:spPr>
+          <a:xfrm>
+            <a:off x="4690325" y="2600900"/>
+            <a:ext cx="1864500" cy="2262600"/>
+          </a:xfrm>
+          <a:prstGeom prst="roundRect">
+            <a:avLst>
+              <a:gd fmla="val 16667" name="adj"/>
+            </a:avLst>
+          </a:prstGeom>
+          <a:solidFill>
+            <a:schemeClr val="lt1"/>
+          </a:solidFill>
+          <a:ln cap="flat" cmpd="sng" w="38100">
+            <a:solidFill>
+              <a:schemeClr val="dk2"/>
+            </a:solidFill>
+            <a:prstDash val="solid"/>
+            <a:round/>
+            <a:headEnd len="med" w="med" type="none"/>
+            <a:tailEnd len="med" w="med" type="none"/>
+          </a:ln>
+        </p:spPr>
+        <p:txBody>
+          <a:bodyPr anchorCtr="0" anchor="ctr" bIns="91425" lIns="91425" rIns="91425" wrap="square" tIns="91425">
+            <a:noAutofit/>
+          </a:bodyPr>
+          <a:lstStyle/>
+          <a:p>
+            <a:pPr lvl="0">
+              <a:spcBef>
+                <a:spcPts val="0"/>
+              </a:spcBef>
+              <a:buNone/>
+            </a:pPr>
+            <a:r>
+              <a:t/>
+            </a:r>
+            <a:endParaRPr/>
+          </a:p>
+        </p:txBody>
+      </p:sp>
+      <p:pic>
+        <p:nvPicPr>
+          <p:cNvPr id="267" name="Shape 267"/>
+          <p:cNvPicPr preferRelativeResize="0"/>
+          <p:nvPr/>
+        </p:nvPicPr>
+        <p:blipFill>
+          <a:blip r:embed="rId3">
+            <a:alphaModFix/>
+          </a:blip>
+          <a:stretch>
+            <a:fillRect/>
+          </a:stretch>
+        </p:blipFill>
+        <p:spPr>
+          <a:xfrm>
+            <a:off x="5038525" y="2729200"/>
+            <a:ext cx="1095925" cy="2049375"/>
+          </a:xfrm>
+          <a:prstGeom prst="rect">
+            <a:avLst/>
+          </a:prstGeom>
+          <a:noFill/>
+          <a:ln>
+            <a:noFill/>
+          </a:ln>
+        </p:spPr>
+      </p:pic>
+      <p:pic>
+        <p:nvPicPr>
+          <p:cNvPr id="268" name="Shape 268"/>
+          <p:cNvPicPr preferRelativeResize="0"/>
+          <p:nvPr/>
+        </p:nvPicPr>
+        <p:blipFill>
+          <a:blip r:embed="rId4">
+            <a:alphaModFix/>
+          </a:blip>
+          <a:stretch>
+            <a:fillRect/>
+          </a:stretch>
+        </p:blipFill>
+        <p:spPr>
+          <a:xfrm>
+            <a:off x="1100225" y="1192050"/>
+            <a:ext cx="3215175" cy="2763050"/>
+          </a:xfrm>
+          <a:prstGeom prst="rect">
+            <a:avLst/>
+          </a:prstGeom>
+          <a:noFill/>
+          <a:ln>
+            <a:noFill/>
+          </a:ln>
+        </p:spPr>
+      </p:pic>
+      <p:sp>
+        <p:nvSpPr>
+          <p:cNvPr id="269" name="Shape 269"/>
+          <p:cNvSpPr txBox="1"/>
+          <p:nvPr/>
+        </p:nvSpPr>
+        <p:spPr>
+          <a:xfrm flipH="1">
+            <a:off x="5341775" y="618150"/>
+            <a:ext cx="3335700" cy="1504500"/>
+          </a:xfrm>
+          <a:prstGeom prst="rect">
+            <a:avLst/>
+          </a:prstGeom>
+          <a:noFill/>
+          <a:ln>
+            <a:noFill/>
+          </a:ln>
+        </p:spPr>
+        <p:txBody>
+          <a:bodyPr anchorCtr="0" anchor="t" bIns="91425" lIns="91425" rIns="91425" wrap="square" tIns="91425">
+            <a:noAutofit/>
+          </a:bodyPr>
+          <a:lstStyle/>
+          <a:p>
+            <a:pPr lvl="0">
+              <a:spcBef>
+                <a:spcPts val="0"/>
+              </a:spcBef>
+              <a:buNone/>
+            </a:pPr>
+            <a:r>
+              <a:rPr b="1" lang="en">
+                <a:solidFill>
+                  <a:schemeClr val="dk2"/>
+                </a:solidFill>
+              </a:rPr>
+              <a:t>“Await” is syntactic sugar for “yield”. However the function is still essentially a coroutine.</a:t>
+            </a:r>
+          </a:p>
+          <a:p>
+            <a:pPr lvl="0">
+              <a:spcBef>
+                <a:spcPts val="0"/>
+              </a:spcBef>
+              <a:buNone/>
+            </a:pPr>
+            <a:r>
+              <a:t/>
+            </a:r>
+            <a:endParaRPr b="1">
+              <a:solidFill>
+                <a:schemeClr val="dk2"/>
+              </a:solidFill>
+            </a:endParaRPr>
+          </a:p>
+          <a:p>
+            <a:pPr lvl="0">
+              <a:spcBef>
+                <a:spcPts val="0"/>
+              </a:spcBef>
+              <a:buNone/>
+            </a:pPr>
+            <a:r>
+              <a:rPr b="1" lang="en">
+                <a:solidFill>
+                  <a:schemeClr val="dk2"/>
+                </a:solidFill>
+              </a:rPr>
+              <a:t>The event loop is Python’s way of letting the developer have access to the underlying async framework. Some languages abstract this away.</a:t>
+            </a:r>
+          </a:p>
+          <a:p>
+            <a:pPr lvl="0">
+              <a:spcBef>
+                <a:spcPts val="0"/>
+              </a:spcBef>
+              <a:buNone/>
+            </a:pPr>
+            <a:r>
+              <a:t/>
+            </a:r>
+            <a:endParaRPr b="1">
+              <a:solidFill>
+                <a:schemeClr val="dk2"/>
+              </a:solidFill>
+            </a:endParaRPr>
+          </a:p>
+          <a:p>
+            <a:pPr lvl="0" rtl="0">
+              <a:spcBef>
+                <a:spcPts val="0"/>
+              </a:spcBef>
+              <a:buNone/>
+            </a:pPr>
+            <a:r>
+              <a:t/>
+            </a:r>
+            <a:endParaRPr b="1">
+              <a:solidFill>
+                <a:schemeClr val="dk2"/>
+              </a:solidFill>
+            </a:endParaRPr>
+          </a:p>
+        </p:txBody>
+      </p:sp>
+      <p:sp>
+        <p:nvSpPr>
+          <p:cNvPr id="270" name="Shape 270"/>
+          <p:cNvSpPr/>
+          <p:nvPr/>
+        </p:nvSpPr>
+        <p:spPr>
+          <a:xfrm flipH="1">
+            <a:off x="6857575" y="3324025"/>
+            <a:ext cx="1668000" cy="526200"/>
+          </a:xfrm>
+          <a:prstGeom prst="rect">
+            <a:avLst/>
+          </a:prstGeom>
+          <a:solidFill>
+            <a:schemeClr val="dk2"/>
+          </a:solidFill>
+          <a:ln cap="flat" cmpd="sng" w="9525">
+            <a:solidFill>
+              <a:schemeClr val="dk2"/>
+            </a:solidFill>
+            <a:prstDash val="solid"/>
+            <a:round/>
+            <a:headEnd len="med" w="med" type="none"/>
+            <a:tailEnd len="med" w="med" type="none"/>
+          </a:ln>
+        </p:spPr>
+        <p:txBody>
+          <a:bodyPr anchorCtr="0" anchor="ctr" bIns="91425" lIns="91425" rIns="91425" wrap="square" tIns="91425">
+            <a:noAutofit/>
+          </a:bodyPr>
+          <a:lstStyle/>
+          <a:p>
+            <a:pPr lvl="0" rtl="0" algn="ctr">
+              <a:spcBef>
+                <a:spcPts val="0"/>
+              </a:spcBef>
+              <a:buNone/>
+            </a:pPr>
+            <a:r>
+              <a:rPr b="1" lang="en">
+                <a:solidFill>
+                  <a:schemeClr val="dk1"/>
+                </a:solidFill>
+              </a:rPr>
+              <a:t>3 second delay</a:t>
+            </a:r>
+          </a:p>
+        </p:txBody>
+      </p:sp>
+      <p:cxnSp>
+        <p:nvCxnSpPr>
+          <p:cNvPr id="271" name="Shape 271"/>
+          <p:cNvCxnSpPr>
+            <a:stCxn id="270" idx="3"/>
+          </p:cNvCxnSpPr>
+          <p:nvPr/>
+        </p:nvCxnSpPr>
+        <p:spPr>
+          <a:xfrm flipH="1">
+            <a:off x="5924875" y="3587125"/>
+            <a:ext cx="932700" cy="28500"/>
+          </a:xfrm>
+          <a:prstGeom prst="straightConnector1">
+            <a:avLst/>
+          </a:prstGeom>
+          <a:noFill/>
+          <a:ln cap="flat" cmpd="sng" w="38100">
+            <a:solidFill>
+              <a:schemeClr val="dk2"/>
+            </a:solidFill>
+            <a:prstDash val="solid"/>
+            <a:round/>
+            <a:headEnd len="lg" w="lg" type="none"/>
+            <a:tailEnd len="lg" w="lg" type="triangle"/>
+          </a:ln>
+        </p:spPr>
+      </p:cxnSp>
+    </p:spTree>
+  </p:cSld>
+  <p:clrMapOvr>
+    <a:masterClrMapping/>
+  </p:clrMapOvr>
+</p:sld>
+</file>
+
+<file path=ppt/slides/slide17.xml><?xml version="1.0" encoding="utf-8"?>
+<p:sld xmlns:a="http://schemas.openxmlformats.org/drawingml/2006/main" xmlns:r="http://schemas.openxmlformats.org/officeDocument/2006/relationships" xmlns:mc="http://schemas.openxmlformats.org/markup-compatibility/2006" xmlns:mv="urn:schemas-microsoft-com:mac:vml" xmlns:p="http://schemas.openxmlformats.org/presentationml/2006/main" xmlns:c="http://schemas.openxmlformats.org/drawingml/2006/chart" xmlns:dgm="http://schemas.openxmlformats.org/drawingml/2006/diagram" xmlns:o="urn:schemas-microsoft-com:office:office" xmlns:v="urn:schemas-microsoft-com:vml" xmlns:pvml="urn:schemas-microsoft-com:office:powerpoint" xmlns:com="http://schemas.openxmlformats.org/drawingml/2006/compatibility" xmlns:p14="http://schemas.microsoft.com/office/powerpoint/2010/main" xmlns:p15="http://schemas.microsoft.com/office/powerpoint/2012/main">
+  <p:cSld>
+    <p:spTree>
+      <p:nvGrpSpPr>
+        <p:cNvPr id="275" name="Shape 275"/>
+        <p:cNvGrpSpPr/>
+        <p:nvPr/>
+      </p:nvGrpSpPr>
+      <p:grpSpPr>
+        <a:xfrm>
+          <a:off x="0" y="0"/>
+          <a:ext cx="0" cy="0"/>
+          <a:chOff x="0" y="0"/>
+          <a:chExt cx="0" cy="0"/>
+        </a:xfrm>
+      </p:grpSpPr>
+      <p:sp>
+        <p:nvSpPr>
+          <p:cNvPr id="276" name="Shape 276"/>
+          <p:cNvSpPr/>
+          <p:nvPr/>
+        </p:nvSpPr>
+        <p:spPr>
+          <a:xfrm>
+            <a:off x="1661988" y="1009763"/>
+            <a:ext cx="5820000" cy="3540900"/>
+          </a:xfrm>
+          <a:prstGeom prst="roundRect">
+            <a:avLst>
+              <a:gd fmla="val 16667" name="adj"/>
+            </a:avLst>
+          </a:prstGeom>
+          <a:solidFill>
+            <a:schemeClr val="lt1"/>
+          </a:solidFill>
+          <a:ln cap="flat" cmpd="sng" w="9525">
+            <a:solidFill>
+              <a:schemeClr val="dk2"/>
+            </a:solidFill>
+            <a:prstDash val="solid"/>
+            <a:round/>
+            <a:headEnd len="med" w="med" type="none"/>
+            <a:tailEnd len="med" w="med" type="none"/>
+          </a:ln>
+        </p:spPr>
+        <p:txBody>
+          <a:bodyPr anchorCtr="0" anchor="ctr" bIns="91425" lIns="91425" rIns="91425" wrap="square" tIns="91425">
+            <a:noAutofit/>
+          </a:bodyPr>
+          <a:lstStyle/>
+          <a:p>
+            <a:pPr lvl="0">
+              <a:spcBef>
+                <a:spcPts val="0"/>
+              </a:spcBef>
+              <a:buNone/>
+            </a:pPr>
+            <a:r>
+              <a:t/>
+            </a:r>
+            <a:endParaRPr/>
+          </a:p>
+        </p:txBody>
+      </p:sp>
+      <p:sp>
+        <p:nvSpPr>
+          <p:cNvPr id="277" name="Shape 277"/>
           <p:cNvSpPr txBox="1"/>
           <p:nvPr>
             <p:ph type="title"/>
@@ -9336,7 +10747,7 @@
       </p:sp>
       <p:pic>
         <p:nvPicPr>
-          <p:cNvPr id="251" name="Shape 251"/>
+          <p:cNvPr id="278" name="Shape 278"/>
           <p:cNvPicPr preferRelativeResize="0"/>
           <p:nvPr/>
         </p:nvPicPr>
@@ -9370,12 +10781,169 @@
 </p:sld>
 </file>
 
-<file path=ppt/slides/slide15.xml><?xml version="1.0" encoding="utf-8"?>
+<file path=ppt/slides/slide18.xml><?xml version="1.0" encoding="utf-8"?>
 <p:sld xmlns:a="http://schemas.openxmlformats.org/drawingml/2006/main" xmlns:r="http://schemas.openxmlformats.org/officeDocument/2006/relationships" xmlns:mc="http://schemas.openxmlformats.org/markup-compatibility/2006" xmlns:mv="urn:schemas-microsoft-com:mac:vml" xmlns:p="http://schemas.openxmlformats.org/presentationml/2006/main" xmlns:c="http://schemas.openxmlformats.org/drawingml/2006/chart" xmlns:dgm="http://schemas.openxmlformats.org/drawingml/2006/diagram" xmlns:o="urn:schemas-microsoft-com:office:office" xmlns:v="urn:schemas-microsoft-com:vml" xmlns:pvml="urn:schemas-microsoft-com:office:powerpoint" xmlns:com="http://schemas.openxmlformats.org/drawingml/2006/compatibility" xmlns:p14="http://schemas.microsoft.com/office/powerpoint/2010/main" xmlns:p15="http://schemas.microsoft.com/office/powerpoint/2012/main">
   <p:cSld>
     <p:spTree>
       <p:nvGrpSpPr>
-        <p:cNvPr id="255" name="Shape 255"/>
+        <p:cNvPr id="282" name="Shape 282"/>
+        <p:cNvGrpSpPr/>
+        <p:nvPr/>
+      </p:nvGrpSpPr>
+      <p:grpSpPr>
+        <a:xfrm>
+          <a:off x="0" y="0"/>
+          <a:ext cx="0" cy="0"/>
+          <a:chOff x="0" y="0"/>
+          <a:chExt cx="0" cy="0"/>
+        </a:xfrm>
+      </p:grpSpPr>
+      <p:sp>
+        <p:nvSpPr>
+          <p:cNvPr id="283" name="Shape 283"/>
+          <p:cNvSpPr txBox="1"/>
+          <p:nvPr>
+            <p:ph type="title"/>
+          </p:nvPr>
+        </p:nvSpPr>
+        <p:spPr>
+          <a:xfrm>
+            <a:off x="1297500" y="393750"/>
+            <a:ext cx="7038900" cy="914100"/>
+          </a:xfrm>
+          <a:prstGeom prst="rect">
+            <a:avLst/>
+          </a:prstGeom>
+        </p:spPr>
+        <p:txBody>
+          <a:bodyPr anchorCtr="0" anchor="t" bIns="91425" lIns="91425" rIns="91425" wrap="square" tIns="91425">
+            <a:noAutofit/>
+          </a:bodyPr>
+          <a:lstStyle/>
+          <a:p>
+            <a:pPr lvl="0">
+              <a:spcBef>
+                <a:spcPts val="0"/>
+              </a:spcBef>
+              <a:buNone/>
+            </a:pPr>
+            <a:r>
+              <a:rPr lang="en"/>
+              <a:t>The End</a:t>
+            </a:r>
+          </a:p>
+        </p:txBody>
+      </p:sp>
+      <p:sp>
+        <p:nvSpPr>
+          <p:cNvPr id="284" name="Shape 284"/>
+          <p:cNvSpPr txBox="1"/>
+          <p:nvPr>
+            <p:ph idx="1" type="body"/>
+          </p:nvPr>
+        </p:nvSpPr>
+        <p:spPr>
+          <a:xfrm>
+            <a:off x="1297500" y="1567550"/>
+            <a:ext cx="7038900" cy="2911200"/>
+          </a:xfrm>
+          <a:prstGeom prst="rect">
+            <a:avLst/>
+          </a:prstGeom>
+        </p:spPr>
+        <p:txBody>
+          <a:bodyPr anchorCtr="0" anchor="t" bIns="91425" lIns="91425" rIns="91425" wrap="square" tIns="91425">
+            <a:noAutofit/>
+          </a:bodyPr>
+          <a:lstStyle/>
+          <a:p>
+            <a:pPr indent="-342900" lvl="0" marL="457200" rtl="0">
+              <a:lnSpc>
+                <a:spcPct val="115000"/>
+              </a:lnSpc>
+              <a:spcBef>
+                <a:spcPts val="0"/>
+              </a:spcBef>
+              <a:spcAft>
+                <a:spcPts val="1000"/>
+              </a:spcAft>
+              <a:buSzPct val="100000"/>
+            </a:pPr>
+            <a:r>
+              <a:rPr lang="en" sz="1800"/>
+              <a:t>Async is better for IO heavy applications</a:t>
+            </a:r>
+          </a:p>
+          <a:p>
+            <a:pPr indent="-342900" lvl="0" marL="457200" rtl="0">
+              <a:lnSpc>
+                <a:spcPct val="115000"/>
+              </a:lnSpc>
+              <a:spcBef>
+                <a:spcPts val="0"/>
+              </a:spcBef>
+              <a:spcAft>
+                <a:spcPts val="1000"/>
+              </a:spcAft>
+              <a:buSzPct val="100000"/>
+            </a:pPr>
+            <a:r>
+              <a:rPr lang="en" sz="1800"/>
+              <a:t>Async programming requires extra work to enforce proper execution</a:t>
+            </a:r>
+          </a:p>
+          <a:p>
+            <a:pPr indent="-342900" lvl="0" marL="457200" rtl="0">
+              <a:lnSpc>
+                <a:spcPct val="115000"/>
+              </a:lnSpc>
+              <a:spcBef>
+                <a:spcPts val="0"/>
+              </a:spcBef>
+              <a:spcAft>
+                <a:spcPts val="1000"/>
+              </a:spcAft>
+              <a:buSzPct val="100000"/>
+            </a:pPr>
+            <a:r>
+              <a:rPr lang="en" sz="1800"/>
+              <a:t>Application level languages have ways to make async programming easier with wrappers and syntactic sugar</a:t>
+            </a:r>
+          </a:p>
+          <a:p>
+            <a:pPr indent="-342900" lvl="0" marL="457200">
+              <a:lnSpc>
+                <a:spcPct val="115000"/>
+              </a:lnSpc>
+              <a:spcBef>
+                <a:spcPts val="0"/>
+              </a:spcBef>
+              <a:spcAft>
+                <a:spcPts val="1000"/>
+              </a:spcAft>
+              <a:buSzPct val="100000"/>
+            </a:pPr>
+            <a:r>
+              <a:rPr lang="en" sz="1800"/>
+              <a:t>Questions?</a:t>
+            </a:r>
+          </a:p>
+        </p:txBody>
+      </p:sp>
+    </p:spTree>
+  </p:cSld>
+  <p:clrMapOvr>
+    <a:masterClrMapping/>
+  </p:clrMapOvr>
+</p:sld>
+</file>
+
+<file path=ppt/slides/slide19.xml><?xml version="1.0" encoding="utf-8"?>
+<p:sld xmlns:a="http://schemas.openxmlformats.org/drawingml/2006/main" xmlns:r="http://schemas.openxmlformats.org/officeDocument/2006/relationships" xmlns:mc="http://schemas.openxmlformats.org/markup-compatibility/2006" xmlns:mv="urn:schemas-microsoft-com:mac:vml" xmlns:p="http://schemas.openxmlformats.org/presentationml/2006/main" xmlns:c="http://schemas.openxmlformats.org/drawingml/2006/chart" xmlns:dgm="http://schemas.openxmlformats.org/drawingml/2006/diagram" xmlns:o="urn:schemas-microsoft-com:office:office" xmlns:v="urn:schemas-microsoft-com:vml" xmlns:pvml="urn:schemas-microsoft-com:office:powerpoint" xmlns:com="http://schemas.openxmlformats.org/drawingml/2006/compatibility" xmlns:p14="http://schemas.microsoft.com/office/powerpoint/2010/main" xmlns:p15="http://schemas.microsoft.com/office/powerpoint/2012/main">
+  <p:cSld>
+    <p:spTree>
+      <p:nvGrpSpPr>
+        <p:cNvPr id="288" name="Shape 288"/>
         <p:cNvGrpSpPr/>
         <p:nvPr/>
       </p:nvGrpSpPr>
@@ -9389,7 +10957,7 @@
       </p:grpSpPr>
       <p:pic>
         <p:nvPicPr>
-          <p:cNvPr descr="iStock_000016829435_XXXLarge.jpg" id="256" name="Shape 256"/>
+          <p:cNvPr descr="iStock_000016829435_XXXLarge.jpg" id="289" name="Shape 289"/>
           <p:cNvPicPr preferRelativeResize="0"/>
           <p:nvPr/>
         </p:nvPicPr>
@@ -9417,14 +10985,14 @@
       </p:pic>
       <p:sp>
         <p:nvSpPr>
-          <p:cNvPr id="257" name="Shape 257"/>
+          <p:cNvPr id="290" name="Shape 290"/>
           <p:cNvSpPr txBox="1"/>
           <p:nvPr/>
         </p:nvSpPr>
         <p:spPr>
           <a:xfrm>
-            <a:off x="1224650" y="1976500"/>
-            <a:ext cx="2064300" cy="1446300"/>
+            <a:off x="1411250" y="1213025"/>
+            <a:ext cx="2659200" cy="2973300"/>
           </a:xfrm>
           <a:prstGeom prst="rect">
             <a:avLst/>
@@ -9435,24 +11003,141 @@
           </a:ln>
         </p:spPr>
         <p:txBody>
-          <a:bodyPr anchorCtr="0" anchor="ctr" bIns="91425" lIns="91425" rIns="91425" wrap="square" tIns="91425">
+          <a:bodyPr anchorCtr="0" anchor="t" bIns="91425" lIns="91425" rIns="91425" wrap="square" tIns="91425">
             <a:noAutofit/>
           </a:bodyPr>
           <a:lstStyle/>
           <a:p>
-            <a:pPr lvl="0" algn="ctr">
+            <a:pPr lvl="0">
               <a:spcBef>
                 <a:spcPts val="0"/>
               </a:spcBef>
               <a:buNone/>
             </a:pPr>
             <a:r>
-              <a:rPr lang="en" sz="2400">
+              <a:rPr lang="en" sz="1800">
                 <a:solidFill>
-                  <a:schemeClr val="lt1"/>
+                  <a:schemeClr val="dk2"/>
                 </a:solidFill>
               </a:rPr>
-              <a:t>The end</a:t>
+              <a:t>Ref:</a:t>
+            </a:r>
+          </a:p>
+          <a:p>
+            <a:pPr indent="-304800" lvl="0" marL="457200" rtl="0">
+              <a:spcBef>
+                <a:spcPts val="0"/>
+              </a:spcBef>
+              <a:spcAft>
+                <a:spcPts val="0"/>
+              </a:spcAft>
+              <a:buClr>
+                <a:schemeClr val="dk2"/>
+              </a:buClr>
+              <a:buSzPct val="100000"/>
+              <a:buChar char="-"/>
+            </a:pPr>
+            <a:r>
+              <a:rPr lang="en" sz="1200" u="sng">
+                <a:solidFill>
+                  <a:schemeClr val="hlink"/>
+                </a:solidFill>
+                <a:hlinkClick r:id="rId4"/>
+              </a:rPr>
+              <a:t>https://www.python.org/dev/peps/pep-0020/</a:t>
+            </a:r>
+          </a:p>
+          <a:p>
+            <a:pPr indent="-304800" lvl="0" marL="457200" rtl="0">
+              <a:spcBef>
+                <a:spcPts val="0"/>
+              </a:spcBef>
+              <a:spcAft>
+                <a:spcPts val="0"/>
+              </a:spcAft>
+              <a:buClr>
+                <a:schemeClr val="dk2"/>
+              </a:buClr>
+              <a:buSzPct val="100000"/>
+              <a:buChar char="-"/>
+            </a:pPr>
+            <a:r>
+              <a:rPr lang="en" sz="1200" u="sng">
+                <a:solidFill>
+                  <a:schemeClr val="hlink"/>
+                </a:solidFill>
+                <a:hlinkClick r:id="rId5"/>
+              </a:rPr>
+              <a:t>https://developer.mozilla.org/en-US/docs/Web/JavaScript/Reference/Global_Objects/Promise</a:t>
+            </a:r>
+          </a:p>
+          <a:p>
+            <a:pPr indent="-304800" lvl="0" marL="457200" rtl="0">
+              <a:spcBef>
+                <a:spcPts val="0"/>
+              </a:spcBef>
+              <a:spcAft>
+                <a:spcPts val="0"/>
+              </a:spcAft>
+              <a:buClr>
+                <a:schemeClr val="dk2"/>
+              </a:buClr>
+              <a:buSzPct val="100000"/>
+              <a:buChar char="-"/>
+            </a:pPr>
+            <a:r>
+              <a:rPr lang="en" sz="1200" u="sng">
+                <a:solidFill>
+                  <a:schemeClr val="hlink"/>
+                </a:solidFill>
+                <a:hlinkClick r:id="rId6"/>
+              </a:rPr>
+              <a:t>http://callbackhell.com/</a:t>
+            </a:r>
+          </a:p>
+          <a:p>
+            <a:pPr indent="-304800" lvl="0" marL="457200" rtl="0">
+              <a:spcBef>
+                <a:spcPts val="0"/>
+              </a:spcBef>
+              <a:spcAft>
+                <a:spcPts val="0"/>
+              </a:spcAft>
+              <a:buClr>
+                <a:schemeClr val="dk2"/>
+              </a:buClr>
+              <a:buSzPct val="100000"/>
+              <a:buChar char="-"/>
+            </a:pPr>
+            <a:r>
+              <a:rPr lang="en" sz="1200" u="sng">
+                <a:solidFill>
+                  <a:schemeClr val="hlink"/>
+                </a:solidFill>
+                <a:hlinkClick r:id="rId7"/>
+              </a:rPr>
+              <a:t>https://docs.python.org/3/library/asyncio.html</a:t>
+            </a:r>
+          </a:p>
+          <a:p>
+            <a:pPr indent="-304800" lvl="0" marL="457200" rtl="0">
+              <a:spcBef>
+                <a:spcPts val="0"/>
+              </a:spcBef>
+              <a:buClr>
+                <a:schemeClr val="dk2"/>
+              </a:buClr>
+              <a:buSzPct val="100000"/>
+              <a:buChar char="-"/>
+            </a:pPr>
+            <a:r>
+              <a:rPr lang="en" sz="1200" u="sng">
+                <a:solidFill>
+                  <a:schemeClr val="hlink"/>
+                </a:solidFill>
+                <a:hlinkClick r:id="rId8"/>
+              </a:rPr>
+              <a:t>https://docs.python.org/3/library/asyncio-task.html</a:t>
             </a:r>
           </a:p>
         </p:txBody>
@@ -9695,7 +11380,7 @@
                   <a:schemeClr val="lt1"/>
                 </a:solidFill>
               </a:rPr>
-              <a:t>Not Concurrency</a:t>
+              <a:t>Not Parallelism</a:t>
             </a:r>
           </a:p>
         </p:txBody>
@@ -10289,8 +11974,8 @@
         </p:nvSpPr>
         <p:spPr>
           <a:xfrm>
-            <a:off x="830950" y="2337300"/>
-            <a:ext cx="1571700" cy="986700"/>
+            <a:off x="489850" y="2337300"/>
+            <a:ext cx="1912800" cy="1290000"/>
           </a:xfrm>
           <a:prstGeom prst="rect">
             <a:avLst/>
@@ -10302,10 +11987,16 @@
           </a:bodyPr>
           <a:lstStyle/>
           <a:p>
-            <a:pPr indent="-342900" lvl="0" marL="457200">
-              <a:spcBef>
-                <a:spcPts val="0"/>
-              </a:spcBef>
+            <a:pPr indent="-342900" lvl="0" marL="457200" rtl="0">
+              <a:lnSpc>
+                <a:spcPct val="100000"/>
+              </a:lnSpc>
+              <a:spcBef>
+                <a:spcPts val="0"/>
+              </a:spcBef>
+              <a:spcAft>
+                <a:spcPts val="0"/>
+              </a:spcAft>
               <a:buSzPct val="100000"/>
               <a:buFont typeface="Arial"/>
             </a:pPr>
@@ -10316,7 +12007,30 @@
                 <a:cs typeface="Arial"/>
                 <a:sym typeface="Arial"/>
               </a:rPr>
-              <a:t>Fast</a:t>
+              <a:t>Fast/</a:t>
+            </a:r>
+          </a:p>
+          <a:p>
+            <a:pPr indent="457200" lvl="0">
+              <a:lnSpc>
+                <a:spcPct val="100000"/>
+              </a:lnSpc>
+              <a:spcBef>
+                <a:spcPts val="0"/>
+              </a:spcBef>
+              <a:spcAft>
+                <a:spcPts val="0"/>
+              </a:spcAft>
+              <a:buNone/>
+            </a:pPr>
+            <a:r>
+              <a:rPr lang="en" sz="1800">
+                <a:latin typeface="Arial"/>
+                <a:ea typeface="Arial"/>
+                <a:cs typeface="Arial"/>
+                <a:sym typeface="Arial"/>
+              </a:rPr>
+              <a:t>Ligtweight</a:t>
             </a:r>
           </a:p>
         </p:txBody>
@@ -10670,13 +12384,209 @@
       <p:sp>
         <p:nvSpPr>
           <p:cNvPr id="174" name="Shape 174"/>
+          <p:cNvSpPr txBox="1"/>
+          <p:nvPr>
+            <p:ph type="title"/>
+          </p:nvPr>
+        </p:nvSpPr>
+        <p:spPr>
+          <a:xfrm>
+            <a:off x="1297500" y="393750"/>
+            <a:ext cx="7038900" cy="914100"/>
+          </a:xfrm>
+          <a:prstGeom prst="rect">
+            <a:avLst/>
+          </a:prstGeom>
+        </p:spPr>
+        <p:txBody>
+          <a:bodyPr anchorCtr="0" anchor="t" bIns="91425" lIns="91425" rIns="91425" wrap="square" tIns="91425">
+            <a:noAutofit/>
+          </a:bodyPr>
+          <a:lstStyle/>
+          <a:p>
+            <a:pPr lvl="0">
+              <a:spcBef>
+                <a:spcPts val="0"/>
+              </a:spcBef>
+              <a:buNone/>
+            </a:pPr>
+            <a:r>
+              <a:rPr lang="en"/>
+              <a:t>Async event loop</a:t>
+            </a:r>
+          </a:p>
+        </p:txBody>
+      </p:sp>
+      <p:pic>
+        <p:nvPicPr>
+          <p:cNvPr id="175" name="Shape 175"/>
+          <p:cNvPicPr preferRelativeResize="0"/>
+          <p:nvPr/>
+        </p:nvPicPr>
+        <p:blipFill>
+          <a:blip r:embed="rId3">
+            <a:alphaModFix/>
+          </a:blip>
+          <a:stretch>
+            <a:fillRect/>
+          </a:stretch>
+        </p:blipFill>
+        <p:spPr>
+          <a:xfrm>
+            <a:off x="1533525" y="1307838"/>
+            <a:ext cx="6076950" cy="2962275"/>
+          </a:xfrm>
+          <a:prstGeom prst="rect">
+            <a:avLst/>
+          </a:prstGeom>
+          <a:noFill/>
+          <a:ln>
+            <a:noFill/>
+          </a:ln>
+        </p:spPr>
+      </p:pic>
+    </p:spTree>
+  </p:cSld>
+  <p:clrMapOvr>
+    <a:masterClrMapping/>
+  </p:clrMapOvr>
+</p:sld>
+</file>
+
+<file path=ppt/slides/slide6.xml><?xml version="1.0" encoding="utf-8"?>
+<p:sld xmlns:a="http://schemas.openxmlformats.org/drawingml/2006/main" xmlns:r="http://schemas.openxmlformats.org/officeDocument/2006/relationships" xmlns:mc="http://schemas.openxmlformats.org/markup-compatibility/2006" xmlns:mv="urn:schemas-microsoft-com:mac:vml" xmlns:p="http://schemas.openxmlformats.org/presentationml/2006/main" xmlns:c="http://schemas.openxmlformats.org/drawingml/2006/chart" xmlns:dgm="http://schemas.openxmlformats.org/drawingml/2006/diagram" xmlns:o="urn:schemas-microsoft-com:office:office" xmlns:v="urn:schemas-microsoft-com:vml" xmlns:pvml="urn:schemas-microsoft-com:office:powerpoint" xmlns:com="http://schemas.openxmlformats.org/drawingml/2006/compatibility" xmlns:p14="http://schemas.microsoft.com/office/powerpoint/2010/main" xmlns:p15="http://schemas.microsoft.com/office/powerpoint/2012/main">
+  <p:cSld>
+    <p:spTree>
+      <p:nvGrpSpPr>
+        <p:cNvPr id="179" name="Shape 179"/>
+        <p:cNvGrpSpPr/>
+        <p:nvPr/>
+      </p:nvGrpSpPr>
+      <p:grpSpPr>
+        <a:xfrm>
+          <a:off x="0" y="0"/>
+          <a:ext cx="0" cy="0"/>
+          <a:chOff x="0" y="0"/>
+          <a:chExt cx="0" cy="0"/>
+        </a:xfrm>
+      </p:grpSpPr>
+      <p:sp>
+        <p:nvSpPr>
+          <p:cNvPr id="180" name="Shape 180"/>
+          <p:cNvSpPr txBox="1"/>
+          <p:nvPr>
+            <p:ph type="title"/>
+          </p:nvPr>
+        </p:nvSpPr>
+        <p:spPr>
+          <a:xfrm>
+            <a:off x="746400" y="2114700"/>
+            <a:ext cx="7651200" cy="914100"/>
+          </a:xfrm>
+          <a:prstGeom prst="rect">
+            <a:avLst/>
+          </a:prstGeom>
+        </p:spPr>
+        <p:txBody>
+          <a:bodyPr anchorCtr="0" anchor="ctr" bIns="91425" lIns="91425" rIns="91425" wrap="square" tIns="91425">
+            <a:noAutofit/>
+          </a:bodyPr>
+          <a:lstStyle/>
+          <a:p>
+            <a:pPr lvl="0" rtl="0" algn="ctr">
+              <a:spcBef>
+                <a:spcPts val="0"/>
+              </a:spcBef>
+              <a:buNone/>
+            </a:pPr>
+            <a:r>
+              <a:rPr lang="en" sz="2300"/>
+              <a:t>Callbacks</a:t>
+            </a:r>
+            <a:r>
+              <a:rPr lang="en" sz="2300"/>
+              <a:t> -&gt;  Callback Hell -&gt;  Promise/Futures</a:t>
+            </a:r>
+          </a:p>
+        </p:txBody>
+      </p:sp>
+      <p:sp>
+        <p:nvSpPr>
+          <p:cNvPr id="181" name="Shape 181"/>
+          <p:cNvSpPr txBox="1"/>
+          <p:nvPr/>
+        </p:nvSpPr>
+        <p:spPr>
+          <a:xfrm>
+            <a:off x="5924925" y="2717550"/>
+            <a:ext cx="2041200" cy="804900"/>
+          </a:xfrm>
+          <a:prstGeom prst="rect">
+            <a:avLst/>
+          </a:prstGeom>
+          <a:noFill/>
+          <a:ln>
+            <a:noFill/>
+          </a:ln>
+        </p:spPr>
+        <p:txBody>
+          <a:bodyPr anchorCtr="0" anchor="t" bIns="91425" lIns="91425" rIns="91425" wrap="square" tIns="91425">
+            <a:noAutofit/>
+          </a:bodyPr>
+          <a:lstStyle/>
+          <a:p>
+            <a:pPr lvl="0">
+              <a:spcBef>
+                <a:spcPts val="0"/>
+              </a:spcBef>
+              <a:buNone/>
+            </a:pPr>
+            <a:r>
+              <a:rPr lang="en">
+                <a:solidFill>
+                  <a:schemeClr val="lt1"/>
+                </a:solidFill>
+              </a:rPr>
+              <a:t>*Javascript (ES6/Node)</a:t>
+            </a:r>
+          </a:p>
+        </p:txBody>
+      </p:sp>
+    </p:spTree>
+  </p:cSld>
+  <p:clrMapOvr>
+    <a:masterClrMapping/>
+  </p:clrMapOvr>
+</p:sld>
+</file>
+
+<file path=ppt/slides/slide7.xml><?xml version="1.0" encoding="utf-8"?>
+<p:sld xmlns:a="http://schemas.openxmlformats.org/drawingml/2006/main" xmlns:r="http://schemas.openxmlformats.org/officeDocument/2006/relationships" xmlns:mc="http://schemas.openxmlformats.org/markup-compatibility/2006" xmlns:mv="urn:schemas-microsoft-com:mac:vml" xmlns:p="http://schemas.openxmlformats.org/presentationml/2006/main" xmlns:c="http://schemas.openxmlformats.org/drawingml/2006/chart" xmlns:dgm="http://schemas.openxmlformats.org/drawingml/2006/diagram" xmlns:o="urn:schemas-microsoft-com:office:office" xmlns:v="urn:schemas-microsoft-com:vml" xmlns:pvml="urn:schemas-microsoft-com:office:powerpoint" xmlns:com="http://schemas.openxmlformats.org/drawingml/2006/compatibility" xmlns:p14="http://schemas.microsoft.com/office/powerpoint/2010/main" xmlns:p15="http://schemas.microsoft.com/office/powerpoint/2012/main">
+  <p:cSld>
+    <p:spTree>
+      <p:nvGrpSpPr>
+        <p:cNvPr id="185" name="Shape 185"/>
+        <p:cNvGrpSpPr/>
+        <p:nvPr/>
+      </p:nvGrpSpPr>
+      <p:grpSpPr>
+        <a:xfrm>
+          <a:off x="0" y="0"/>
+          <a:ext cx="0" cy="0"/>
+          <a:chOff x="0" y="0"/>
+          <a:chExt cx="0" cy="0"/>
+        </a:xfrm>
+      </p:grpSpPr>
+      <p:sp>
+        <p:nvSpPr>
+          <p:cNvPr id="186" name="Shape 186"/>
           <p:cNvSpPr/>
           <p:nvPr/>
         </p:nvSpPr>
         <p:spPr>
           <a:xfrm>
-            <a:off x="1772825" y="991375"/>
-            <a:ext cx="5551500" cy="2636100"/>
+            <a:off x="1061375" y="994100"/>
+            <a:ext cx="5773200" cy="3495900"/>
           </a:xfrm>
           <a:prstGeom prst="roundRect">
             <a:avLst>
@@ -10717,7 +12627,7 @@
       </p:sp>
       <p:sp>
         <p:nvSpPr>
-          <p:cNvPr id="175" name="Shape 175"/>
+          <p:cNvPr id="187" name="Shape 187"/>
           <p:cNvSpPr txBox="1"/>
           <p:nvPr>
             <p:ph type="title"/>
@@ -10751,9 +12661,67 @@
           </a:p>
         </p:txBody>
       </p:sp>
+      <p:sp>
+        <p:nvSpPr>
+          <p:cNvPr id="188" name="Shape 188"/>
+          <p:cNvSpPr txBox="1"/>
+          <p:nvPr/>
+        </p:nvSpPr>
+        <p:spPr>
+          <a:xfrm flipH="1">
+            <a:off x="6904675" y="1512375"/>
+            <a:ext cx="2087700" cy="2348100"/>
+          </a:xfrm>
+          <a:prstGeom prst="rect">
+            <a:avLst/>
+          </a:prstGeom>
+          <a:noFill/>
+          <a:ln>
+            <a:noFill/>
+          </a:ln>
+        </p:spPr>
+        <p:txBody>
+          <a:bodyPr anchorCtr="0" anchor="t" bIns="91425" lIns="91425" rIns="91425" wrap="square" tIns="91425">
+            <a:noAutofit/>
+          </a:bodyPr>
+          <a:lstStyle/>
+          <a:p>
+            <a:pPr lvl="0">
+              <a:spcBef>
+                <a:spcPts val="0"/>
+              </a:spcBef>
+              <a:buNone/>
+            </a:pPr>
+            <a:r>
+              <a:rPr b="1" lang="en">
+                <a:solidFill>
+                  <a:schemeClr val="dk2"/>
+                </a:solidFill>
+              </a:rPr>
+              <a:t>Javascript has built in </a:t>
+            </a:r>
+            <a:r>
+              <a:rPr b="1" lang="en">
+                <a:solidFill>
+                  <a:schemeClr val="dk2"/>
+                </a:solidFill>
+              </a:rPr>
+              <a:t>asynchronous</a:t>
+            </a:r>
+            <a:r>
+              <a:rPr b="1" lang="en">
+                <a:solidFill>
+                  <a:schemeClr val="dk2"/>
+                </a:solidFill>
+              </a:rPr>
+              <a:t> functionality. Many use cases would hurt responsiveness and availability if they were blocking the main thread of execution.</a:t>
+            </a:r>
+          </a:p>
+        </p:txBody>
+      </p:sp>
       <p:pic>
         <p:nvPicPr>
-          <p:cNvPr id="176" name="Shape 176"/>
+          <p:cNvPr id="189" name="Shape 189"/>
           <p:cNvPicPr preferRelativeResize="0"/>
           <p:nvPr/>
         </p:nvPicPr>
@@ -10767,8 +12735,8 @@
         </p:blipFill>
         <p:spPr>
           <a:xfrm>
-            <a:off x="1957388" y="1145325"/>
-            <a:ext cx="5229225" cy="2333625"/>
+            <a:off x="1402475" y="1073267"/>
+            <a:ext cx="4845283" cy="3337575"/>
           </a:xfrm>
           <a:prstGeom prst="rect">
             <a:avLst/>
@@ -10781,14 +12749,14 @@
       </p:pic>
       <p:sp>
         <p:nvSpPr>
-          <p:cNvPr id="177" name="Shape 177"/>
+          <p:cNvPr id="190" name="Shape 190"/>
           <p:cNvSpPr/>
           <p:nvPr/>
         </p:nvSpPr>
         <p:spPr>
           <a:xfrm>
-            <a:off x="1772825" y="3883875"/>
-            <a:ext cx="5551500" cy="1007400"/>
+            <a:off x="4908274" y="3405800"/>
+            <a:ext cx="1926300" cy="1084200"/>
           </a:xfrm>
           <a:prstGeom prst="roundRect">
             <a:avLst>
@@ -10821,44 +12789,6 @@
               <a:buNone/>
             </a:pPr>
             <a:r>
-              <a:t/>
-            </a:r>
-            <a:endParaRPr/>
-          </a:p>
-        </p:txBody>
-      </p:sp>
-      <p:sp>
-        <p:nvSpPr>
-          <p:cNvPr id="178" name="Shape 178"/>
-          <p:cNvSpPr txBox="1"/>
-          <p:nvPr/>
-        </p:nvSpPr>
-        <p:spPr>
-          <a:xfrm>
-            <a:off x="1912775" y="4035500"/>
-            <a:ext cx="804900" cy="315000"/>
-          </a:xfrm>
-          <a:prstGeom prst="rect">
-            <a:avLst/>
-          </a:prstGeom>
-          <a:noFill/>
-          <a:ln>
-            <a:noFill/>
-          </a:ln>
-        </p:spPr>
-        <p:txBody>
-          <a:bodyPr anchorCtr="0" anchor="t" bIns="91425" lIns="91425" rIns="91425" wrap="square" tIns="91425">
-            <a:noAutofit/>
-          </a:bodyPr>
-          <a:lstStyle/>
-          <a:p>
-            <a:pPr lvl="0">
-              <a:spcBef>
-                <a:spcPts val="0"/>
-              </a:spcBef>
-              <a:buNone/>
-            </a:pPr>
-            <a:r>
               <a:rPr lang="en"/>
               <a:t>null</a:t>
             </a:r>
@@ -10873,12 +12803,12 @@
 </p:sld>
 </file>
 
-<file path=ppt/slides/slide6.xml><?xml version="1.0" encoding="utf-8"?>
+<file path=ppt/slides/slide8.xml><?xml version="1.0" encoding="utf-8"?>
 <p:sld xmlns:a="http://schemas.openxmlformats.org/drawingml/2006/main" xmlns:r="http://schemas.openxmlformats.org/officeDocument/2006/relationships" xmlns:mc="http://schemas.openxmlformats.org/markup-compatibility/2006" xmlns:mv="urn:schemas-microsoft-com:mac:vml" xmlns:p="http://schemas.openxmlformats.org/presentationml/2006/main" xmlns:c="http://schemas.openxmlformats.org/drawingml/2006/chart" xmlns:dgm="http://schemas.openxmlformats.org/drawingml/2006/diagram" xmlns:o="urn:schemas-microsoft-com:office:office" xmlns:v="urn:schemas-microsoft-com:vml" xmlns:pvml="urn:schemas-microsoft-com:office:powerpoint" xmlns:com="http://schemas.openxmlformats.org/drawingml/2006/compatibility" xmlns:p14="http://schemas.microsoft.com/office/powerpoint/2010/main" xmlns:p15="http://schemas.microsoft.com/office/powerpoint/2012/main">
   <p:cSld>
     <p:spTree>
       <p:nvGrpSpPr>
-        <p:cNvPr id="182" name="Shape 182"/>
+        <p:cNvPr id="194" name="Shape 194"/>
         <p:cNvGrpSpPr/>
         <p:nvPr/>
       </p:nvGrpSpPr>
@@ -10892,14 +12822,14 @@
       </p:grpSpPr>
       <p:sp>
         <p:nvSpPr>
-          <p:cNvPr id="183" name="Shape 183"/>
+          <p:cNvPr id="195" name="Shape 195"/>
           <p:cNvSpPr/>
           <p:nvPr/>
         </p:nvSpPr>
         <p:spPr>
           <a:xfrm>
-            <a:off x="1772825" y="991375"/>
-            <a:ext cx="5551500" cy="2636100"/>
+            <a:off x="1061375" y="994100"/>
+            <a:ext cx="5773200" cy="3495900"/>
           </a:xfrm>
           <a:prstGeom prst="roundRect">
             <a:avLst>
@@ -10940,7 +12870,7 @@
       </p:sp>
       <p:sp>
         <p:nvSpPr>
-          <p:cNvPr id="184" name="Shape 184"/>
+          <p:cNvPr id="196" name="Shape 196"/>
           <p:cNvSpPr txBox="1"/>
           <p:nvPr>
             <p:ph type="title"/>
@@ -10976,14 +12906,84 @@
       </p:sp>
       <p:sp>
         <p:nvSpPr>
-          <p:cNvPr id="185" name="Shape 185"/>
+          <p:cNvPr id="197" name="Shape 197"/>
+          <p:cNvSpPr txBox="1"/>
+          <p:nvPr/>
+        </p:nvSpPr>
+        <p:spPr>
+          <a:xfrm flipH="1">
+            <a:off x="6904675" y="1512375"/>
+            <a:ext cx="2087700" cy="2348100"/>
+          </a:xfrm>
+          <a:prstGeom prst="rect">
+            <a:avLst/>
+          </a:prstGeom>
+          <a:noFill/>
+          <a:ln>
+            <a:noFill/>
+          </a:ln>
+        </p:spPr>
+        <p:txBody>
+          <a:bodyPr anchorCtr="0" anchor="t" bIns="91425" lIns="91425" rIns="91425" wrap="square" tIns="91425">
+            <a:noAutofit/>
+          </a:bodyPr>
+          <a:lstStyle/>
+          <a:p>
+            <a:pPr lvl="0" rtl="0">
+              <a:spcBef>
+                <a:spcPts val="0"/>
+              </a:spcBef>
+              <a:buNone/>
+            </a:pPr>
+            <a:r>
+              <a:rPr b="1" lang="en">
+                <a:solidFill>
+                  <a:schemeClr val="dk2"/>
+                </a:solidFill>
+              </a:rPr>
+              <a:t>Callbacks are the go to solution to enforce proper order of execution. You must pass in a function that gets called once the IO (async) process is complete.</a:t>
+            </a:r>
+          </a:p>
+        </p:txBody>
+      </p:sp>
+      <p:pic>
+        <p:nvPicPr>
+          <p:cNvPr id="198" name="Shape 198"/>
+          <p:cNvPicPr preferRelativeResize="0"/>
+          <p:nvPr/>
+        </p:nvPicPr>
+        <p:blipFill>
+          <a:blip r:embed="rId3">
+            <a:alphaModFix/>
+          </a:blip>
+          <a:stretch>
+            <a:fillRect/>
+          </a:stretch>
+        </p:blipFill>
+        <p:spPr>
+          <a:xfrm>
+            <a:off x="1224450" y="1200150"/>
+            <a:ext cx="5180650" cy="2800350"/>
+          </a:xfrm>
+          <a:prstGeom prst="rect">
+            <a:avLst/>
+          </a:prstGeom>
+          <a:noFill/>
+          <a:ln>
+            <a:noFill/>
+          </a:ln>
+        </p:spPr>
+      </p:pic>
+      <p:sp>
+        <p:nvSpPr>
+          <p:cNvPr id="199" name="Shape 199"/>
           <p:cNvSpPr/>
           <p:nvPr/>
         </p:nvSpPr>
         <p:spPr>
           <a:xfrm>
-            <a:off x="1772825" y="3883875"/>
-            <a:ext cx="5551500" cy="1007400"/>
+            <a:off x="4908274" y="3405800"/>
+            <a:ext cx="1926300" cy="1084200"/>
           </a:xfrm>
           <a:prstGeom prst="roundRect">
             <a:avLst>
@@ -11009,44 +13009,6 @@
           </a:bodyPr>
           <a:lstStyle/>
           <a:p>
-            <a:pPr lvl="0">
-              <a:spcBef>
-                <a:spcPts val="0"/>
-              </a:spcBef>
-              <a:buNone/>
-            </a:pPr>
-            <a:r>
-              <a:t/>
-            </a:r>
-            <a:endParaRPr/>
-          </a:p>
-        </p:txBody>
-      </p:sp>
-      <p:sp>
-        <p:nvSpPr>
-          <p:cNvPr id="186" name="Shape 186"/>
-          <p:cNvSpPr txBox="1"/>
-          <p:nvPr/>
-        </p:nvSpPr>
-        <p:spPr>
-          <a:xfrm>
-            <a:off x="1912775" y="4035500"/>
-            <a:ext cx="804900" cy="315000"/>
-          </a:xfrm>
-          <a:prstGeom prst="rect">
-            <a:avLst/>
-          </a:prstGeom>
-          <a:noFill/>
-          <a:ln>
-            <a:noFill/>
-          </a:ln>
-        </p:spPr>
-        <p:txBody>
-          <a:bodyPr anchorCtr="0" anchor="t" bIns="91425" lIns="91425" rIns="91425" wrap="square" tIns="91425">
-            <a:noAutofit/>
-          </a:bodyPr>
-          <a:lstStyle/>
-          <a:p>
             <a:pPr lvl="0" rtl="0">
               <a:spcBef>
                 <a:spcPts val="0"/>
@@ -11060,34 +13022,6 @@
           </a:p>
         </p:txBody>
       </p:sp>
-      <p:pic>
-        <p:nvPicPr>
-          <p:cNvPr id="187" name="Shape 187"/>
-          <p:cNvPicPr preferRelativeResize="0"/>
-          <p:nvPr/>
-        </p:nvPicPr>
-        <p:blipFill>
-          <a:blip r:embed="rId3">
-            <a:alphaModFix/>
-          </a:blip>
-          <a:stretch>
-            <a:fillRect/>
-          </a:stretch>
-        </p:blipFill>
-        <p:spPr>
-          <a:xfrm>
-            <a:off x="1866225" y="1540187"/>
-            <a:ext cx="5411549" cy="1538463"/>
-          </a:xfrm>
-          <a:prstGeom prst="rect">
-            <a:avLst/>
-          </a:prstGeom>
-          <a:noFill/>
-          <a:ln>
-            <a:noFill/>
-          </a:ln>
-        </p:spPr>
-      </p:pic>
     </p:spTree>
   </p:cSld>
   <p:clrMapOvr>
@@ -11096,12 +13030,12 @@
 </p:sld>
 </file>
 
-<file path=ppt/slides/slide7.xml><?xml version="1.0" encoding="utf-8"?>
+<file path=ppt/slides/slide9.xml><?xml version="1.0" encoding="utf-8"?>
 <p:sld xmlns:a="http://schemas.openxmlformats.org/drawingml/2006/main" xmlns:r="http://schemas.openxmlformats.org/officeDocument/2006/relationships" xmlns:mc="http://schemas.openxmlformats.org/markup-compatibility/2006" xmlns:mv="urn:schemas-microsoft-com:mac:vml" xmlns:p="http://schemas.openxmlformats.org/presentationml/2006/main" xmlns:c="http://schemas.openxmlformats.org/drawingml/2006/chart" xmlns:dgm="http://schemas.openxmlformats.org/drawingml/2006/diagram" xmlns:o="urn:schemas-microsoft-com:office:office" xmlns:v="urn:schemas-microsoft-com:vml" xmlns:pvml="urn:schemas-microsoft-com:office:powerpoint" xmlns:com="http://schemas.openxmlformats.org/drawingml/2006/compatibility" xmlns:p14="http://schemas.microsoft.com/office/powerpoint/2010/main" xmlns:p15="http://schemas.microsoft.com/office/powerpoint/2012/main">
   <p:cSld>
     <p:spTree>
       <p:nvGrpSpPr>
-        <p:cNvPr id="191" name="Shape 191"/>
+        <p:cNvPr id="203" name="Shape 203"/>
         <p:cNvGrpSpPr/>
         <p:nvPr/>
       </p:nvGrpSpPr>
@@ -11115,103 +13049,14 @@
       </p:grpSpPr>
       <p:sp>
         <p:nvSpPr>
-          <p:cNvPr id="192" name="Shape 192"/>
-          <p:cNvSpPr txBox="1"/>
-          <p:nvPr>
-            <p:ph type="title"/>
-          </p:nvPr>
-        </p:nvSpPr>
-        <p:spPr>
-          <a:xfrm>
-            <a:off x="1297500" y="393750"/>
-            <a:ext cx="7038900" cy="914100"/>
-          </a:xfrm>
-          <a:prstGeom prst="rect">
-            <a:avLst/>
-          </a:prstGeom>
-        </p:spPr>
-        <p:txBody>
-          <a:bodyPr anchorCtr="0" anchor="t" bIns="91425" lIns="91425" rIns="91425" wrap="square" tIns="91425">
-            <a:noAutofit/>
-          </a:bodyPr>
-          <a:lstStyle/>
-          <a:p>
-            <a:pPr lvl="0" rtl="0">
-              <a:spcBef>
-                <a:spcPts val="0"/>
-              </a:spcBef>
-              <a:buNone/>
-            </a:pPr>
-            <a:r>
-              <a:rPr lang="en"/>
-              <a:t>Callback Hell</a:t>
-            </a:r>
-          </a:p>
-        </p:txBody>
-      </p:sp>
-      <p:pic>
-        <p:nvPicPr>
-          <p:cNvPr descr="promises-and-chaining-in-angularjs-into-callback-hell-and-back-again-17-638.jpg" id="193" name="Shape 193"/>
-          <p:cNvPicPr preferRelativeResize="0"/>
-          <p:nvPr/>
-        </p:nvPicPr>
-        <p:blipFill>
-          <a:blip r:embed="rId3">
-            <a:alphaModFix/>
-          </a:blip>
-          <a:stretch>
-            <a:fillRect/>
-          </a:stretch>
-        </p:blipFill>
-        <p:spPr>
-          <a:xfrm>
-            <a:off x="2220563" y="1017050"/>
-            <a:ext cx="4702886" cy="3530850"/>
-          </a:xfrm>
-          <a:prstGeom prst="rect">
-            <a:avLst/>
-          </a:prstGeom>
-          <a:noFill/>
-          <a:ln>
-            <a:noFill/>
-          </a:ln>
-        </p:spPr>
-      </p:pic>
-    </p:spTree>
-  </p:cSld>
-  <p:clrMapOvr>
-    <a:masterClrMapping/>
-  </p:clrMapOvr>
-</p:sld>
-</file>
-
-<file path=ppt/slides/slide8.xml><?xml version="1.0" encoding="utf-8"?>
-<p:sld xmlns:a="http://schemas.openxmlformats.org/drawingml/2006/main" xmlns:r="http://schemas.openxmlformats.org/officeDocument/2006/relationships" xmlns:mc="http://schemas.openxmlformats.org/markup-compatibility/2006" xmlns:mv="urn:schemas-microsoft-com:mac:vml" xmlns:p="http://schemas.openxmlformats.org/presentationml/2006/main" xmlns:c="http://schemas.openxmlformats.org/drawingml/2006/chart" xmlns:dgm="http://schemas.openxmlformats.org/drawingml/2006/diagram" xmlns:o="urn:schemas-microsoft-com:office:office" xmlns:v="urn:schemas-microsoft-com:vml" xmlns:pvml="urn:schemas-microsoft-com:office:powerpoint" xmlns:com="http://schemas.openxmlformats.org/drawingml/2006/compatibility" xmlns:p14="http://schemas.microsoft.com/office/powerpoint/2010/main" xmlns:p15="http://schemas.microsoft.com/office/powerpoint/2012/main">
-  <p:cSld>
-    <p:spTree>
-      <p:nvGrpSpPr>
-        <p:cNvPr id="197" name="Shape 197"/>
-        <p:cNvGrpSpPr/>
-        <p:nvPr/>
-      </p:nvGrpSpPr>
-      <p:grpSpPr>
-        <a:xfrm>
-          <a:off x="0" y="0"/>
-          <a:ext cx="0" cy="0"/>
-          <a:chOff x="0" y="0"/>
-          <a:chExt cx="0" cy="0"/>
-        </a:xfrm>
-      </p:grpSpPr>
-      <p:sp>
-        <p:nvSpPr>
-          <p:cNvPr id="198" name="Shape 198"/>
+          <p:cNvPr id="204" name="Shape 204"/>
           <p:cNvSpPr/>
           <p:nvPr/>
         </p:nvSpPr>
         <p:spPr>
           <a:xfrm>
-            <a:off x="1866125" y="1212975"/>
-            <a:ext cx="5108400" cy="3627300"/>
+            <a:off x="1061375" y="994100"/>
+            <a:ext cx="5773200" cy="3134700"/>
           </a:xfrm>
           <a:prstGeom prst="roundRect">
             <a:avLst>
@@ -11252,7 +13097,7 @@
       </p:sp>
       <p:sp>
         <p:nvSpPr>
-          <p:cNvPr id="199" name="Shape 199"/>
+          <p:cNvPr id="205" name="Shape 205"/>
           <p:cNvSpPr txBox="1"/>
           <p:nvPr>
             <p:ph type="title"/>
@@ -11273,7 +13118,7 @@
           </a:bodyPr>
           <a:lstStyle/>
           <a:p>
-            <a:pPr lvl="0">
+            <a:pPr lvl="0" rtl="0">
               <a:spcBef>
                 <a:spcPts val="0"/>
               </a:spcBef>
@@ -11281,14 +13126,56 @@
             </a:pPr>
             <a:r>
               <a:rPr lang="en"/>
-              <a:t>Promises / Futures</a:t>
+              <a:t>Callback Hell</a:t>
+            </a:r>
+          </a:p>
+        </p:txBody>
+      </p:sp>
+      <p:sp>
+        <p:nvSpPr>
+          <p:cNvPr id="206" name="Shape 206"/>
+          <p:cNvSpPr txBox="1"/>
+          <p:nvPr/>
+        </p:nvSpPr>
+        <p:spPr>
+          <a:xfrm flipH="1">
+            <a:off x="6904675" y="1512375"/>
+            <a:ext cx="2087700" cy="2348100"/>
+          </a:xfrm>
+          <a:prstGeom prst="rect">
+            <a:avLst/>
+          </a:prstGeom>
+          <a:noFill/>
+          <a:ln>
+            <a:noFill/>
+          </a:ln>
+        </p:spPr>
+        <p:txBody>
+          <a:bodyPr anchorCtr="0" anchor="t" bIns="91425" lIns="91425" rIns="91425" wrap="square" tIns="91425">
+            <a:noAutofit/>
+          </a:bodyPr>
+          <a:lstStyle/>
+          <a:p>
+            <a:pPr lvl="0" rtl="0">
+              <a:spcBef>
+                <a:spcPts val="0"/>
+              </a:spcBef>
+              <a:buNone/>
+            </a:pPr>
+            <a:r>
+              <a:rPr b="1" lang="en">
+                <a:solidFill>
+                  <a:schemeClr val="dk2"/>
+                </a:solidFill>
+              </a:rPr>
+              <a:t>Callbacks lead to complex code, with deeply nested function definitions. Hard to read code can be avoided by using wrappers like promises.</a:t>
             </a:r>
           </a:p>
         </p:txBody>
       </p:sp>
       <p:pic>
         <p:nvPicPr>
-          <p:cNvPr id="200" name="Shape 200"/>
+          <p:cNvPr id="207" name="Shape 207"/>
           <p:cNvPicPr preferRelativeResize="0"/>
           <p:nvPr/>
         </p:nvPicPr>
@@ -11302,8 +13189,8 @@
         </p:blipFill>
         <p:spPr>
           <a:xfrm>
-            <a:off x="2240125" y="1460250"/>
-            <a:ext cx="4305300" cy="3133725"/>
+            <a:off x="1338728" y="1307500"/>
+            <a:ext cx="5218499" cy="2757850"/>
           </a:xfrm>
           <a:prstGeom prst="rect">
             <a:avLst/>
@@ -11316,384 +13203,14 @@
       </p:pic>
       <p:sp>
         <p:nvSpPr>
-          <p:cNvPr id="201" name="Shape 201"/>
+          <p:cNvPr id="208" name="Shape 208"/>
           <p:cNvSpPr txBox="1"/>
           <p:nvPr/>
         </p:nvSpPr>
         <p:spPr>
           <a:xfrm>
-            <a:off x="5096825" y="3720575"/>
-            <a:ext cx="2496000" cy="758100"/>
-          </a:xfrm>
-          <a:prstGeom prst="rect">
-            <a:avLst/>
-          </a:prstGeom>
-          <a:solidFill>
-            <a:srgbClr val="B7B7B7"/>
-          </a:solidFill>
-          <a:ln>
-            <a:noFill/>
-          </a:ln>
-        </p:spPr>
-        <p:txBody>
-          <a:bodyPr anchorCtr="0" anchor="t" bIns="91425" lIns="91425" rIns="91425" wrap="square" tIns="91425">
-            <a:noAutofit/>
-          </a:bodyPr>
-          <a:lstStyle/>
-          <a:p>
-            <a:pPr lvl="0" algn="ctr">
-              <a:spcBef>
-                <a:spcPts val="0"/>
-              </a:spcBef>
-              <a:buNone/>
-            </a:pPr>
-            <a:r>
-              <a:rPr lang="en" sz="1800"/>
-              <a:t>Just m</a:t>
-            </a:r>
-            <a:r>
-              <a:rPr lang="en" sz="1800"/>
-              <a:t>ore callback headache?</a:t>
-            </a:r>
-          </a:p>
-        </p:txBody>
-      </p:sp>
-      <p:cxnSp>
-        <p:nvCxnSpPr>
-          <p:cNvPr id="202" name="Shape 202"/>
-          <p:cNvCxnSpPr>
-            <a:stCxn id="201" idx="1"/>
-          </p:cNvCxnSpPr>
-          <p:nvPr/>
-        </p:nvCxnSpPr>
-        <p:spPr>
-          <a:xfrm rot="10800000">
-            <a:off x="4875125" y="3662225"/>
-            <a:ext cx="221700" cy="437400"/>
-          </a:xfrm>
-          <a:prstGeom prst="straightConnector1">
-            <a:avLst/>
-          </a:prstGeom>
-          <a:noFill/>
-          <a:ln cap="flat" cmpd="sng" w="38100">
-            <a:solidFill>
-              <a:schemeClr val="dk2"/>
-            </a:solidFill>
-            <a:prstDash val="solid"/>
-            <a:round/>
-            <a:headEnd len="lg" w="lg" type="none"/>
-            <a:tailEnd len="lg" w="lg" type="triangle"/>
-          </a:ln>
-        </p:spPr>
-      </p:cxnSp>
-      <p:cxnSp>
-        <p:nvCxnSpPr>
-          <p:cNvPr id="203" name="Shape 203"/>
-          <p:cNvCxnSpPr>
-            <a:stCxn id="201" idx="1"/>
-          </p:cNvCxnSpPr>
-          <p:nvPr/>
-        </p:nvCxnSpPr>
-        <p:spPr>
-          <a:xfrm rot="10800000">
-            <a:off x="3574925" y="4023425"/>
-            <a:ext cx="1521900" cy="76200"/>
-          </a:xfrm>
-          <a:prstGeom prst="straightConnector1">
-            <a:avLst/>
-          </a:prstGeom>
-          <a:noFill/>
-          <a:ln cap="flat" cmpd="sng" w="38100">
-            <a:solidFill>
-              <a:schemeClr val="dk2"/>
-            </a:solidFill>
-            <a:prstDash val="solid"/>
-            <a:round/>
-            <a:headEnd len="lg" w="lg" type="none"/>
-            <a:tailEnd len="lg" w="lg" type="triangle"/>
-          </a:ln>
-        </p:spPr>
-      </p:cxnSp>
-    </p:spTree>
-  </p:cSld>
-  <p:clrMapOvr>
-    <a:masterClrMapping/>
-  </p:clrMapOvr>
-  <p:timing>
-    <p:tnLst>
-      <p:par>
-        <p:cTn dur="indefinite" nodeType="tmRoot" restart="never">
-          <p:childTnLst>
-            <p:seq concurrent="1" nextAc="seek">
-              <p:cTn dur="indefinite" id="2" nodeType="mainSeq">
-                <p:childTnLst>
-                  <p:par>
-                    <p:cTn fill="hold">
-                      <p:stCondLst>
-                        <p:cond delay="indefinite"/>
-                      </p:stCondLst>
-                      <p:childTnLst>
-                        <p:par>
-                          <p:cTn fill="hold">
-                            <p:stCondLst>
-                              <p:cond delay="0"/>
-                            </p:stCondLst>
-                            <p:childTnLst>
-                              <p:par>
-                                <p:cTn fill="hold" nodeType="clickEffect" presetClass="entr" presetID="10" presetSubtype="0">
-                                  <p:stCondLst>
-                                    <p:cond delay="0"/>
-                                  </p:stCondLst>
-                                  <p:childTnLst>
-                                    <p:set>
-                                      <p:cBhvr>
-                                        <p:cTn dur="1" fill="hold">
-                                          <p:stCondLst>
-                                            <p:cond delay="0"/>
-                                          </p:stCondLst>
-                                        </p:cTn>
-                                        <p:tgtEl>
-                                          <p:spTgt spid="201"/>
-                                        </p:tgtEl>
-                                        <p:attrNameLst>
-                                          <p:attrName>style.visibility</p:attrName>
-                                        </p:attrNameLst>
-                                      </p:cBhvr>
-                                      <p:to>
-                                        <p:strVal val="visible"/>
-                                      </p:to>
-                                    </p:set>
-                                    <p:animEffect filter="fade" transition="in">
-                                      <p:cBhvr>
-                                        <p:cTn dur="1000"/>
-                                        <p:tgtEl>
-                                          <p:spTgt spid="201"/>
-                                        </p:tgtEl>
-                                      </p:cBhvr>
-                                    </p:animEffect>
-                                  </p:childTnLst>
-                                </p:cTn>
-                              </p:par>
-                              <p:par>
-                                <p:cTn fill="hold" nodeType="withEffect" presetClass="entr" presetID="10" presetSubtype="0">
-                                  <p:stCondLst>
-                                    <p:cond delay="0"/>
-                                  </p:stCondLst>
-                                  <p:childTnLst>
-                                    <p:set>
-                                      <p:cBhvr>
-                                        <p:cTn dur="1" fill="hold">
-                                          <p:stCondLst>
-                                            <p:cond delay="0"/>
-                                          </p:stCondLst>
-                                        </p:cTn>
-                                        <p:tgtEl>
-                                          <p:spTgt spid="203"/>
-                                        </p:tgtEl>
-                                        <p:attrNameLst>
-                                          <p:attrName>style.visibility</p:attrName>
-                                        </p:attrNameLst>
-                                      </p:cBhvr>
-                                      <p:to>
-                                        <p:strVal val="visible"/>
-                                      </p:to>
-                                    </p:set>
-                                    <p:animEffect filter="fade" transition="in">
-                                      <p:cBhvr>
-                                        <p:cTn dur="1000"/>
-                                        <p:tgtEl>
-                                          <p:spTgt spid="203"/>
-                                        </p:tgtEl>
-                                      </p:cBhvr>
-                                    </p:animEffect>
-                                  </p:childTnLst>
-                                </p:cTn>
-                              </p:par>
-                              <p:par>
-                                <p:cTn fill="hold" nodeType="withEffect" presetClass="entr" presetID="10" presetSubtype="0">
-                                  <p:stCondLst>
-                                    <p:cond delay="0"/>
-                                  </p:stCondLst>
-                                  <p:childTnLst>
-                                    <p:set>
-                                      <p:cBhvr>
-                                        <p:cTn dur="1" fill="hold">
-                                          <p:stCondLst>
-                                            <p:cond delay="0"/>
-                                          </p:stCondLst>
-                                        </p:cTn>
-                                        <p:tgtEl>
-                                          <p:spTgt spid="202"/>
-                                        </p:tgtEl>
-                                        <p:attrNameLst>
-                                          <p:attrName>style.visibility</p:attrName>
-                                        </p:attrNameLst>
-                                      </p:cBhvr>
-                                      <p:to>
-                                        <p:strVal val="visible"/>
-                                      </p:to>
-                                    </p:set>
-                                    <p:animEffect filter="fade" transition="in">
-                                      <p:cBhvr>
-                                        <p:cTn dur="1000"/>
-                                        <p:tgtEl>
-                                          <p:spTgt spid="202"/>
-                                        </p:tgtEl>
-                                      </p:cBhvr>
-                                    </p:animEffect>
-                                  </p:childTnLst>
-                                </p:cTn>
-                              </p:par>
-                            </p:childTnLst>
-                          </p:cTn>
-                        </p:par>
-                      </p:childTnLst>
-                    </p:cTn>
-                  </p:par>
-                </p:childTnLst>
-              </p:cTn>
-              <p:prevCondLst>
-                <p:cond evt="onPrev">
-                  <p:tgtEl>
-                    <p:sldTgt/>
-                  </p:tgtEl>
-                </p:cond>
-              </p:prevCondLst>
-              <p:nextCondLst>
-                <p:cond evt="onNext">
-                  <p:tgtEl>
-                    <p:sldTgt/>
-                  </p:tgtEl>
-                </p:cond>
-              </p:nextCondLst>
-            </p:seq>
-          </p:childTnLst>
-        </p:cTn>
-      </p:par>
-    </p:tnLst>
-  </p:timing>
-</p:sld>
-</file>
-
-<file path=ppt/slides/slide9.xml><?xml version="1.0" encoding="utf-8"?>
-<p:sld xmlns:a="http://schemas.openxmlformats.org/drawingml/2006/main" xmlns:r="http://schemas.openxmlformats.org/officeDocument/2006/relationships" xmlns:mc="http://schemas.openxmlformats.org/markup-compatibility/2006" xmlns:mv="urn:schemas-microsoft-com:mac:vml" xmlns:p="http://schemas.openxmlformats.org/presentationml/2006/main" xmlns:c="http://schemas.openxmlformats.org/drawingml/2006/chart" xmlns:dgm="http://schemas.openxmlformats.org/drawingml/2006/diagram" xmlns:o="urn:schemas-microsoft-com:office:office" xmlns:v="urn:schemas-microsoft-com:vml" xmlns:pvml="urn:schemas-microsoft-com:office:powerpoint" xmlns:com="http://schemas.openxmlformats.org/drawingml/2006/compatibility" xmlns:p14="http://schemas.microsoft.com/office/powerpoint/2010/main" xmlns:p15="http://schemas.microsoft.com/office/powerpoint/2012/main">
-  <p:cSld>
-    <p:spTree>
-      <p:nvGrpSpPr>
-        <p:cNvPr id="207" name="Shape 207"/>
-        <p:cNvGrpSpPr/>
-        <p:nvPr/>
-      </p:nvGrpSpPr>
-      <p:grpSpPr>
-        <a:xfrm>
-          <a:off x="0" y="0"/>
-          <a:ext cx="0" cy="0"/>
-          <a:chOff x="0" y="0"/>
-          <a:chExt cx="0" cy="0"/>
-        </a:xfrm>
-      </p:grpSpPr>
-      <p:sp>
-        <p:nvSpPr>
-          <p:cNvPr id="208" name="Shape 208"/>
-          <p:cNvSpPr/>
-          <p:nvPr/>
-        </p:nvSpPr>
-        <p:spPr>
-          <a:xfrm>
-            <a:off x="1866125" y="1212975"/>
-            <a:ext cx="5108400" cy="3627300"/>
-          </a:xfrm>
-          <a:prstGeom prst="roundRect">
-            <a:avLst>
-              <a:gd fmla="val 16667" name="adj"/>
-            </a:avLst>
-          </a:prstGeom>
-          <a:solidFill>
-            <a:schemeClr val="lt1"/>
-          </a:solidFill>
-          <a:ln cap="flat" cmpd="sng" w="9525">
-            <a:solidFill>
-              <a:schemeClr val="dk2"/>
-            </a:solidFill>
-            <a:prstDash val="solid"/>
-            <a:round/>
-            <a:headEnd len="med" w="med" type="none"/>
-            <a:tailEnd len="med" w="med" type="none"/>
-          </a:ln>
-        </p:spPr>
-        <p:txBody>
-          <a:bodyPr anchorCtr="0" anchor="ctr" bIns="91425" lIns="91425" rIns="91425" wrap="square" tIns="91425">
-            <a:noAutofit/>
-          </a:bodyPr>
-          <a:lstStyle/>
-          <a:p>
-            <a:pPr lvl="0">
-              <a:spcBef>
-                <a:spcPts val="0"/>
-              </a:spcBef>
-              <a:buNone/>
-            </a:pPr>
-            <a:r>
-              <a:t/>
-            </a:r>
-            <a:endParaRPr/>
-          </a:p>
-        </p:txBody>
-      </p:sp>
-      <p:sp>
-        <p:nvSpPr>
-          <p:cNvPr id="209" name="Shape 209"/>
-          <p:cNvSpPr txBox="1"/>
-          <p:nvPr>
-            <p:ph type="title"/>
-          </p:nvPr>
-        </p:nvSpPr>
-        <p:spPr>
-          <a:xfrm>
-            <a:off x="1297500" y="393750"/>
-            <a:ext cx="7038900" cy="914100"/>
-          </a:xfrm>
-          <a:prstGeom prst="rect">
-            <a:avLst/>
-          </a:prstGeom>
-        </p:spPr>
-        <p:txBody>
-          <a:bodyPr anchorCtr="0" anchor="t" bIns="91425" lIns="91425" rIns="91425" wrap="square" tIns="91425">
-            <a:noAutofit/>
-          </a:bodyPr>
-          <a:lstStyle/>
-          <a:p>
-            <a:pPr lvl="0" rtl="0">
-              <a:spcBef>
-                <a:spcPts val="0"/>
-              </a:spcBef>
-              <a:buNone/>
-            </a:pPr>
-            <a:r>
-              <a:rPr lang="en"/>
-              <a:t>Promises / Futures</a:t>
-            </a:r>
-          </a:p>
-        </p:txBody>
-      </p:sp>
-      <p:pic>
-        <p:nvPicPr>
-          <p:cNvPr id="210" name="Shape 210"/>
-          <p:cNvPicPr preferRelativeResize="0"/>
-          <p:nvPr/>
-        </p:nvPicPr>
-        <p:blipFill>
-          <a:blip r:embed="rId3">
-            <a:alphaModFix/>
-          </a:blip>
-          <a:stretch>
-            <a:fillRect/>
-          </a:stretch>
-        </p:blipFill>
-        <p:spPr>
-          <a:xfrm>
-            <a:off x="2070949" y="1866138"/>
-            <a:ext cx="4841800" cy="2320975"/>
+            <a:off x="1352950" y="4408725"/>
+            <a:ext cx="6169800" cy="443100"/>
           </a:xfrm>
           <a:prstGeom prst="rect">
             <a:avLst/>
@@ -11703,7 +13220,37 @@
             <a:noFill/>
           </a:ln>
         </p:spPr>
-      </p:pic>
+        <p:txBody>
+          <a:bodyPr anchorCtr="0" anchor="t" bIns="91425" lIns="91425" rIns="91425" wrap="square" tIns="91425">
+            <a:noAutofit/>
+          </a:bodyPr>
+          <a:lstStyle/>
+          <a:p>
+            <a:pPr lvl="0">
+              <a:spcBef>
+                <a:spcPts val="0"/>
+              </a:spcBef>
+              <a:buNone/>
+            </a:pPr>
+            <a:r>
+              <a:rPr i="1" lang="en" sz="1800">
+                <a:solidFill>
+                  <a:schemeClr val="dk2"/>
+                </a:solidFill>
+              </a:rPr>
+              <a:t>Flat is better than nested. - </a:t>
+            </a:r>
+            <a:r>
+              <a:rPr lang="en" sz="1700">
+                <a:solidFill>
+                  <a:schemeClr val="dk2"/>
+                </a:solidFill>
+              </a:rPr>
+              <a:t>Tim Peters, Zen of Python</a:t>
+            </a:r>
+          </a:p>
+        </p:txBody>
+      </p:sp>
     </p:spTree>
   </p:cSld>
   <p:clrMapOvr>
